--- a/OtherStuff/Presentation/Uml.pptx
+++ b/OtherStuff/Presentation/Uml.pptx
@@ -110,6 +110,22 @@
       </a:defRPr>
     </a:lvl9pPr>
   </p:defaultTextStyle>
+  <p:extLst>
+    <p:ext uri="{EFAFB233-063F-42B5-8137-9DF3F51BA10A}">
+      <p15:sldGuideLst xmlns:p15="http://schemas.microsoft.com/office/powerpoint/2012/main">
+        <p15:guide id="1" orient="horz" pos="2160">
+          <p15:clr>
+            <a:srgbClr val="A4A3A4"/>
+          </p15:clr>
+        </p15:guide>
+        <p15:guide id="2" pos="2880">
+          <p15:clr>
+            <a:srgbClr val="A4A3A4"/>
+          </p15:clr>
+        </p15:guide>
+      </p15:sldGuideLst>
+    </p:ext>
+  </p:extLst>
 </p:presentation>
 </file>
 
@@ -294,7 +310,7 @@
           <a:p>
             <a:fld id="{D9DEBD80-119B-4A47-856F-6A33C3B74995}" type="datetimeFigureOut">
               <a:rPr lang="it-IT" smtClean="0"/>
-              <a:t>08/11/2015</a:t>
+              <a:t>09/11/2015</a:t>
             </a:fld>
             <a:endParaRPr lang="it-IT"/>
           </a:p>
@@ -464,7 +480,7 @@
           <a:p>
             <a:fld id="{D9DEBD80-119B-4A47-856F-6A33C3B74995}" type="datetimeFigureOut">
               <a:rPr lang="it-IT" smtClean="0"/>
-              <a:t>08/11/2015</a:t>
+              <a:t>09/11/2015</a:t>
             </a:fld>
             <a:endParaRPr lang="it-IT"/>
           </a:p>
@@ -644,7 +660,7 @@
           <a:p>
             <a:fld id="{D9DEBD80-119B-4A47-856F-6A33C3B74995}" type="datetimeFigureOut">
               <a:rPr lang="it-IT" smtClean="0"/>
-              <a:t>08/11/2015</a:t>
+              <a:t>09/11/2015</a:t>
             </a:fld>
             <a:endParaRPr lang="it-IT"/>
           </a:p>
@@ -814,7 +830,7 @@
           <a:p>
             <a:fld id="{D9DEBD80-119B-4A47-856F-6A33C3B74995}" type="datetimeFigureOut">
               <a:rPr lang="it-IT" smtClean="0"/>
-              <a:t>08/11/2015</a:t>
+              <a:t>09/11/2015</a:t>
             </a:fld>
             <a:endParaRPr lang="it-IT"/>
           </a:p>
@@ -1060,7 +1076,7 @@
           <a:p>
             <a:fld id="{D9DEBD80-119B-4A47-856F-6A33C3B74995}" type="datetimeFigureOut">
               <a:rPr lang="it-IT" smtClean="0"/>
-              <a:t>08/11/2015</a:t>
+              <a:t>09/11/2015</a:t>
             </a:fld>
             <a:endParaRPr lang="it-IT"/>
           </a:p>
@@ -1348,7 +1364,7 @@
           <a:p>
             <a:fld id="{D9DEBD80-119B-4A47-856F-6A33C3B74995}" type="datetimeFigureOut">
               <a:rPr lang="it-IT" smtClean="0"/>
-              <a:t>08/11/2015</a:t>
+              <a:t>09/11/2015</a:t>
             </a:fld>
             <a:endParaRPr lang="it-IT"/>
           </a:p>
@@ -1770,7 +1786,7 @@
           <a:p>
             <a:fld id="{D9DEBD80-119B-4A47-856F-6A33C3B74995}" type="datetimeFigureOut">
               <a:rPr lang="it-IT" smtClean="0"/>
-              <a:t>08/11/2015</a:t>
+              <a:t>09/11/2015</a:t>
             </a:fld>
             <a:endParaRPr lang="it-IT"/>
           </a:p>
@@ -1888,7 +1904,7 @@
           <a:p>
             <a:fld id="{D9DEBD80-119B-4A47-856F-6A33C3B74995}" type="datetimeFigureOut">
               <a:rPr lang="it-IT" smtClean="0"/>
-              <a:t>08/11/2015</a:t>
+              <a:t>09/11/2015</a:t>
             </a:fld>
             <a:endParaRPr lang="it-IT"/>
           </a:p>
@@ -1983,7 +1999,7 @@
           <a:p>
             <a:fld id="{D9DEBD80-119B-4A47-856F-6A33C3B74995}" type="datetimeFigureOut">
               <a:rPr lang="it-IT" smtClean="0"/>
-              <a:t>08/11/2015</a:t>
+              <a:t>09/11/2015</a:t>
             </a:fld>
             <a:endParaRPr lang="it-IT"/>
           </a:p>
@@ -2260,7 +2276,7 @@
           <a:p>
             <a:fld id="{D9DEBD80-119B-4A47-856F-6A33C3B74995}" type="datetimeFigureOut">
               <a:rPr lang="it-IT" smtClean="0"/>
-              <a:t>08/11/2015</a:t>
+              <a:t>09/11/2015</a:t>
             </a:fld>
             <a:endParaRPr lang="it-IT"/>
           </a:p>
@@ -2513,7 +2529,7 @@
           <a:p>
             <a:fld id="{D9DEBD80-119B-4A47-856F-6A33C3B74995}" type="datetimeFigureOut">
               <a:rPr lang="it-IT" smtClean="0"/>
-              <a:t>08/11/2015</a:t>
+              <a:t>09/11/2015</a:t>
             </a:fld>
             <a:endParaRPr lang="it-IT"/>
           </a:p>
@@ -2726,7 +2742,7 @@
           <a:p>
             <a:fld id="{D9DEBD80-119B-4A47-856F-6A33C3B74995}" type="datetimeFigureOut">
               <a:rPr lang="it-IT" smtClean="0"/>
-              <a:t>08/11/2015</a:t>
+              <a:t>09/11/2015</a:t>
             </a:fld>
             <a:endParaRPr lang="it-IT"/>
           </a:p>
@@ -3541,7 +3557,7 @@
                             </p:stCondLst>
                             <p:childTnLst>
                               <p:par>
-                                <p:cTn id="19" presetID="53" presetClass="entr" presetSubtype="16" fill="hold" nodeType="clickEffect">
+                                <p:cTn id="19" presetID="42" presetClass="entr" presetSubtype="0" fill="hold" grpId="0" nodeType="clickEffect">
                                   <p:stCondLst>
                                     <p:cond delay="0"/>
                                   </p:stCondLst>
@@ -3549,6 +3565,121 @@
                                     <p:set>
                                       <p:cBhvr>
                                         <p:cTn id="20" dur="1" fill="hold">
+                                          <p:stCondLst>
+                                            <p:cond delay="0"/>
+                                          </p:stCondLst>
+                                        </p:cTn>
+                                        <p:tgtEl>
+                                          <p:spTgt spid="17">
+                                            <p:txEl>
+                                              <p:pRg st="0" end="0"/>
+                                            </p:txEl>
+                                          </p:spTgt>
+                                        </p:tgtEl>
+                                        <p:attrNameLst>
+                                          <p:attrName>style.visibility</p:attrName>
+                                        </p:attrNameLst>
+                                      </p:cBhvr>
+                                      <p:to>
+                                        <p:strVal val="visible"/>
+                                      </p:to>
+                                    </p:set>
+                                    <p:animEffect transition="in" filter="fade">
+                                      <p:cBhvr>
+                                        <p:cTn id="21" dur="1000"/>
+                                        <p:tgtEl>
+                                          <p:spTgt spid="17">
+                                            <p:txEl>
+                                              <p:pRg st="0" end="0"/>
+                                            </p:txEl>
+                                          </p:spTgt>
+                                        </p:tgtEl>
+                                      </p:cBhvr>
+                                    </p:animEffect>
+                                    <p:anim calcmode="lin" valueType="num">
+                                      <p:cBhvr>
+                                        <p:cTn id="22" dur="1000" fill="hold"/>
+                                        <p:tgtEl>
+                                          <p:spTgt spid="17">
+                                            <p:txEl>
+                                              <p:pRg st="0" end="0"/>
+                                            </p:txEl>
+                                          </p:spTgt>
+                                        </p:tgtEl>
+                                        <p:attrNameLst>
+                                          <p:attrName>ppt_x</p:attrName>
+                                        </p:attrNameLst>
+                                      </p:cBhvr>
+                                      <p:tavLst>
+                                        <p:tav tm="0">
+                                          <p:val>
+                                            <p:strVal val="#ppt_x"/>
+                                          </p:val>
+                                        </p:tav>
+                                        <p:tav tm="100000">
+                                          <p:val>
+                                            <p:strVal val="#ppt_x"/>
+                                          </p:val>
+                                        </p:tav>
+                                      </p:tavLst>
+                                    </p:anim>
+                                    <p:anim calcmode="lin" valueType="num">
+                                      <p:cBhvr>
+                                        <p:cTn id="23" dur="1000" fill="hold"/>
+                                        <p:tgtEl>
+                                          <p:spTgt spid="17">
+                                            <p:txEl>
+                                              <p:pRg st="0" end="0"/>
+                                            </p:txEl>
+                                          </p:spTgt>
+                                        </p:tgtEl>
+                                        <p:attrNameLst>
+                                          <p:attrName>ppt_y</p:attrName>
+                                        </p:attrNameLst>
+                                      </p:cBhvr>
+                                      <p:tavLst>
+                                        <p:tav tm="0">
+                                          <p:val>
+                                            <p:strVal val="#ppt_y+.1"/>
+                                          </p:val>
+                                        </p:tav>
+                                        <p:tav tm="100000">
+                                          <p:val>
+                                            <p:strVal val="#ppt_y"/>
+                                          </p:val>
+                                        </p:tav>
+                                      </p:tavLst>
+                                    </p:anim>
+                                  </p:childTnLst>
+                                </p:cTn>
+                              </p:par>
+                            </p:childTnLst>
+                          </p:cTn>
+                        </p:par>
+                      </p:childTnLst>
+                    </p:cTn>
+                  </p:par>
+                  <p:par>
+                    <p:cTn id="24" fill="hold">
+                      <p:stCondLst>
+                        <p:cond delay="indefinite"/>
+                      </p:stCondLst>
+                      <p:childTnLst>
+                        <p:par>
+                          <p:cTn id="25" fill="hold">
+                            <p:stCondLst>
+                              <p:cond delay="0"/>
+                            </p:stCondLst>
+                            <p:childTnLst>
+                              <p:par>
+                                <p:cTn id="26" presetID="53" presetClass="entr" presetSubtype="16" fill="hold" nodeType="clickEffect">
+                                  <p:stCondLst>
+                                    <p:cond delay="0"/>
+                                  </p:stCondLst>
+                                  <p:childTnLst>
+                                    <p:set>
+                                      <p:cBhvr>
+                                        <p:cTn id="27" dur="1" fill="hold">
                                           <p:stCondLst>
                                             <p:cond delay="0"/>
                                           </p:stCondLst>
@@ -3566,7 +3697,7 @@
                                     </p:set>
                                     <p:anim calcmode="lin" valueType="num">
                                       <p:cBhvr>
-                                        <p:cTn id="21" dur="500" fill="hold"/>
+                                        <p:cTn id="28" dur="500" fill="hold"/>
                                         <p:tgtEl>
                                           <p:spTgt spid="19"/>
                                         </p:tgtEl>
@@ -3589,7 +3720,7 @@
                                     </p:anim>
                                     <p:anim calcmode="lin" valueType="num">
                                       <p:cBhvr>
-                                        <p:cTn id="22" dur="500" fill="hold"/>
+                                        <p:cTn id="29" dur="500" fill="hold"/>
                                         <p:tgtEl>
                                           <p:spTgt spid="19"/>
                                         </p:tgtEl>
@@ -3612,7 +3743,7 @@
                                     </p:anim>
                                     <p:animEffect transition="in" filter="fade">
                                       <p:cBhvr>
-                                        <p:cTn id="23" dur="500"/>
+                                        <p:cTn id="30" dur="500"/>
                                         <p:tgtEl>
                                           <p:spTgt spid="19"/>
                                         </p:tgtEl>
@@ -3648,6 +3779,9 @@
         </p:cTn>
       </p:par>
     </p:tnLst>
+    <p:bldLst>
+      <p:bldP spid="17" grpId="0" build="p"/>
+    </p:bldLst>
   </p:timing>
 </p:sld>
 </file>
@@ -5183,6 +5317,105 @@
                       </p:childTnLst>
                     </p:cTn>
                   </p:par>
+                  <p:par>
+                    <p:cTn id="24" fill="hold">
+                      <p:stCondLst>
+                        <p:cond delay="indefinite"/>
+                      </p:stCondLst>
+                      <p:childTnLst>
+                        <p:par>
+                          <p:cTn id="25" fill="hold">
+                            <p:stCondLst>
+                              <p:cond delay="0"/>
+                            </p:stCondLst>
+                            <p:childTnLst>
+                              <p:par>
+                                <p:cTn id="26" presetID="53" presetClass="entr" presetSubtype="16" fill="hold" nodeType="clickEffect">
+                                  <p:stCondLst>
+                                    <p:cond delay="0"/>
+                                  </p:stCondLst>
+                                  <p:childTnLst>
+                                    <p:set>
+                                      <p:cBhvr>
+                                        <p:cTn id="27" dur="1" fill="hold">
+                                          <p:stCondLst>
+                                            <p:cond delay="0"/>
+                                          </p:stCondLst>
+                                        </p:cTn>
+                                        <p:tgtEl>
+                                          <p:spTgt spid="11"/>
+                                        </p:tgtEl>
+                                        <p:attrNameLst>
+                                          <p:attrName>style.visibility</p:attrName>
+                                        </p:attrNameLst>
+                                      </p:cBhvr>
+                                      <p:to>
+                                        <p:strVal val="visible"/>
+                                      </p:to>
+                                    </p:set>
+                                    <p:anim calcmode="lin" valueType="num">
+                                      <p:cBhvr>
+                                        <p:cTn id="28" dur="500" fill="hold"/>
+                                        <p:tgtEl>
+                                          <p:spTgt spid="11"/>
+                                        </p:tgtEl>
+                                        <p:attrNameLst>
+                                          <p:attrName>ppt_w</p:attrName>
+                                        </p:attrNameLst>
+                                      </p:cBhvr>
+                                      <p:tavLst>
+                                        <p:tav tm="0">
+                                          <p:val>
+                                            <p:fltVal val="0"/>
+                                          </p:val>
+                                        </p:tav>
+                                        <p:tav tm="100000">
+                                          <p:val>
+                                            <p:strVal val="#ppt_w"/>
+                                          </p:val>
+                                        </p:tav>
+                                      </p:tavLst>
+                                    </p:anim>
+                                    <p:anim calcmode="lin" valueType="num">
+                                      <p:cBhvr>
+                                        <p:cTn id="29" dur="500" fill="hold"/>
+                                        <p:tgtEl>
+                                          <p:spTgt spid="11"/>
+                                        </p:tgtEl>
+                                        <p:attrNameLst>
+                                          <p:attrName>ppt_h</p:attrName>
+                                        </p:attrNameLst>
+                                      </p:cBhvr>
+                                      <p:tavLst>
+                                        <p:tav tm="0">
+                                          <p:val>
+                                            <p:fltVal val="0"/>
+                                          </p:val>
+                                        </p:tav>
+                                        <p:tav tm="100000">
+                                          <p:val>
+                                            <p:strVal val="#ppt_h"/>
+                                          </p:val>
+                                        </p:tav>
+                                      </p:tavLst>
+                                    </p:anim>
+                                    <p:animEffect transition="in" filter="fade">
+                                      <p:cBhvr>
+                                        <p:cTn id="30" dur="500"/>
+                                        <p:tgtEl>
+                                          <p:spTgt spid="11"/>
+                                        </p:tgtEl>
+                                      </p:cBhvr>
+                                    </p:animEffect>
+                                  </p:childTnLst>
+                                </p:cTn>
+                              </p:par>
+                            </p:childTnLst>
+                          </p:cTn>
+                        </p:par>
+                      </p:childTnLst>
+                    </p:cTn>
+                  </p:par>
                 </p:childTnLst>
               </p:cTn>
               <p:prevCondLst>
@@ -5840,7 +6073,7 @@
         <p:spPr>
           <a:xfrm>
             <a:off x="395536" y="188640"/>
-            <a:ext cx="1810544" cy="1162050"/>
+            <a:ext cx="1810544" cy="1008112"/>
           </a:xfrm>
         </p:spPr>
         <p:style>
@@ -5861,49 +6094,106 @@
           <a:bodyPr/>
           <a:lstStyle/>
           <a:p>
+            <a:pPr algn="ctr"/>
             <a:r>
               <a:rPr lang="it-IT" b="0" dirty="0" err="1" smtClean="0">
+                <a:effectLst>
+                  <a:outerShdw blurRad="38100" dist="38100" dir="2700000" algn="tl">
+                    <a:srgbClr val="000000">
+                      <a:alpha val="43137"/>
+                    </a:srgbClr>
+                  </a:outerShdw>
+                </a:effectLst>
                 <a:latin typeface="Georgia" panose="02040502050405020303" pitchFamily="18" charset="0"/>
               </a:rPr>
               <a:t>Successful</a:t>
             </a:r>
             <a:r>
               <a:rPr lang="it-IT" b="0" dirty="0" smtClean="0">
+                <a:effectLst>
+                  <a:outerShdw blurRad="38100" dist="38100" dir="2700000" algn="tl">
+                    <a:srgbClr val="000000">
+                      <a:alpha val="43137"/>
+                    </a:srgbClr>
+                  </a:outerShdw>
+                </a:effectLst>
                 <a:latin typeface="Georgia" panose="02040502050405020303" pitchFamily="18" charset="0"/>
               </a:rPr>
               <a:t> </a:t>
             </a:r>
             <a:r>
               <a:rPr lang="it-IT" b="0" dirty="0" err="1">
+                <a:effectLst>
+                  <a:outerShdw blurRad="38100" dist="38100" dir="2700000" algn="tl">
+                    <a:srgbClr val="000000">
+                      <a:alpha val="43137"/>
+                    </a:srgbClr>
+                  </a:outerShdw>
+                </a:effectLst>
                 <a:latin typeface="Georgia" panose="02040502050405020303" pitchFamily="18" charset="0"/>
               </a:rPr>
               <a:t>r</a:t>
             </a:r>
             <a:r>
               <a:rPr lang="it-IT" b="0" dirty="0" err="1" smtClean="0">
+                <a:effectLst>
+                  <a:outerShdw blurRad="38100" dist="38100" dir="2700000" algn="tl">
+                    <a:srgbClr val="000000">
+                      <a:alpha val="43137"/>
+                    </a:srgbClr>
+                  </a:outerShdw>
+                </a:effectLst>
                 <a:latin typeface="Georgia" panose="02040502050405020303" pitchFamily="18" charset="0"/>
               </a:rPr>
               <a:t>equest’s</a:t>
             </a:r>
             <a:r>
               <a:rPr lang="it-IT" b="0" dirty="0" smtClean="0">
+                <a:effectLst>
+                  <a:outerShdw blurRad="38100" dist="38100" dir="2700000" algn="tl">
+                    <a:srgbClr val="000000">
+                      <a:alpha val="43137"/>
+                    </a:srgbClr>
+                  </a:outerShdw>
+                </a:effectLst>
                 <a:latin typeface="Georgia" panose="02040502050405020303" pitchFamily="18" charset="0"/>
               </a:rPr>
               <a:t> </a:t>
             </a:r>
             <a:r>
               <a:rPr lang="it-IT" b="0" dirty="0" err="1" smtClean="0">
+                <a:effectLst>
+                  <a:outerShdw blurRad="38100" dist="38100" dir="2700000" algn="tl">
+                    <a:srgbClr val="000000">
+                      <a:alpha val="43137"/>
+                    </a:srgbClr>
+                  </a:outerShdw>
+                </a:effectLst>
                 <a:latin typeface="Georgia" panose="02040502050405020303" pitchFamily="18" charset="0"/>
               </a:rPr>
               <a:t>event</a:t>
             </a:r>
             <a:r>
               <a:rPr lang="it-IT" b="0" dirty="0" smtClean="0">
+                <a:effectLst>
+                  <a:outerShdw blurRad="38100" dist="38100" dir="2700000" algn="tl">
+                    <a:srgbClr val="000000">
+                      <a:alpha val="43137"/>
+                    </a:srgbClr>
+                  </a:outerShdw>
+                </a:effectLst>
                 <a:latin typeface="Georgia" panose="02040502050405020303" pitchFamily="18" charset="0"/>
               </a:rPr>
               <a:t> flow</a:t>
             </a:r>
             <a:endParaRPr lang="it-IT" b="0" dirty="0">
+              <a:effectLst>
+                <a:outerShdw blurRad="38100" dist="38100" dir="2700000" algn="tl">
+                  <a:srgbClr val="000000">
+                    <a:alpha val="43137"/>
+                  </a:srgbClr>
+                </a:outerShdw>
+              </a:effectLst>
               <a:latin typeface="Georgia" panose="02040502050405020303" pitchFamily="18" charset="0"/>
             </a:endParaRPr>
           </a:p>
@@ -6768,7 +7058,7 @@
         <p:spPr>
           <a:xfrm>
             <a:off x="395536" y="188640"/>
-            <a:ext cx="1882552" cy="1162050"/>
+            <a:ext cx="1882552" cy="1008112"/>
           </a:xfrm>
         </p:spPr>
         <p:style>
@@ -6789,43 +7079,93 @@
           <a:bodyPr/>
           <a:lstStyle/>
           <a:p>
+            <a:pPr algn="ctr"/>
             <a:r>
               <a:rPr lang="it-IT" b="0" dirty="0" err="1" smtClean="0">
+                <a:effectLst>
+                  <a:outerShdw blurRad="38100" dist="38100" dir="2700000" algn="tl">
+                    <a:srgbClr val="000000">
+                      <a:alpha val="43137"/>
+                    </a:srgbClr>
+                  </a:outerShdw>
+                </a:effectLst>
                 <a:latin typeface="Georgia" panose="02040502050405020303" pitchFamily="18" charset="0"/>
               </a:rPr>
               <a:t>Successful</a:t>
             </a:r>
             <a:r>
               <a:rPr lang="it-IT" b="0" dirty="0" smtClean="0">
+                <a:effectLst>
+                  <a:outerShdw blurRad="38100" dist="38100" dir="2700000" algn="tl">
+                    <a:srgbClr val="000000">
+                      <a:alpha val="43137"/>
+                    </a:srgbClr>
+                  </a:outerShdw>
+                </a:effectLst>
                 <a:latin typeface="Georgia" panose="02040502050405020303" pitchFamily="18" charset="0"/>
               </a:rPr>
               <a:t> </a:t>
             </a:r>
             <a:r>
               <a:rPr lang="it-IT" b="0" dirty="0" err="1" smtClean="0">
+                <a:effectLst>
+                  <a:outerShdw blurRad="38100" dist="38100" dir="2700000" algn="tl">
+                    <a:srgbClr val="000000">
+                      <a:alpha val="43137"/>
+                    </a:srgbClr>
+                  </a:outerShdw>
+                </a:effectLst>
                 <a:latin typeface="Georgia" panose="02040502050405020303" pitchFamily="18" charset="0"/>
               </a:rPr>
               <a:t>reservation’s</a:t>
             </a:r>
             <a:r>
               <a:rPr lang="it-IT" b="0" dirty="0" smtClean="0">
+                <a:effectLst>
+                  <a:outerShdw blurRad="38100" dist="38100" dir="2700000" algn="tl">
+                    <a:srgbClr val="000000">
+                      <a:alpha val="43137"/>
+                    </a:srgbClr>
+                  </a:outerShdw>
+                </a:effectLst>
                 <a:latin typeface="Georgia" panose="02040502050405020303" pitchFamily="18" charset="0"/>
               </a:rPr>
               <a:t> </a:t>
             </a:r>
             <a:r>
               <a:rPr lang="it-IT" b="0" dirty="0" err="1" smtClean="0">
+                <a:effectLst>
+                  <a:outerShdw blurRad="38100" dist="38100" dir="2700000" algn="tl">
+                    <a:srgbClr val="000000">
+                      <a:alpha val="43137"/>
+                    </a:srgbClr>
+                  </a:outerShdw>
+                </a:effectLst>
                 <a:latin typeface="Georgia" panose="02040502050405020303" pitchFamily="18" charset="0"/>
               </a:rPr>
               <a:t>event</a:t>
             </a:r>
             <a:r>
               <a:rPr lang="it-IT" b="0" dirty="0" smtClean="0">
+                <a:effectLst>
+                  <a:outerShdw blurRad="38100" dist="38100" dir="2700000" algn="tl">
+                    <a:srgbClr val="000000">
+                      <a:alpha val="43137"/>
+                    </a:srgbClr>
+                  </a:outerShdw>
+                </a:effectLst>
                 <a:latin typeface="Georgia" panose="02040502050405020303" pitchFamily="18" charset="0"/>
               </a:rPr>
               <a:t> flow</a:t>
             </a:r>
             <a:endParaRPr lang="it-IT" b="0" dirty="0">
+              <a:effectLst>
+                <a:outerShdw blurRad="38100" dist="38100" dir="2700000" algn="tl">
+                  <a:srgbClr val="000000">
+                    <a:alpha val="43137"/>
+                  </a:srgbClr>
+                </a:outerShdw>
+              </a:effectLst>
               <a:latin typeface="Georgia" panose="02040502050405020303" pitchFamily="18" charset="0"/>
             </a:endParaRPr>
           </a:p>

--- a/OtherStuff/Presentation/Uml.pptx
+++ b/OtherStuff/Presentation/Uml.pptx
@@ -7,10 +7,10 @@
   <p:sldIdLst>
     <p:sldId id="256" r:id="rId2"/>
     <p:sldId id="257" r:id="rId3"/>
-    <p:sldId id="258" r:id="rId4"/>
-    <p:sldId id="259" r:id="rId5"/>
-    <p:sldId id="260" r:id="rId6"/>
-    <p:sldId id="261" r:id="rId7"/>
+    <p:sldId id="260" r:id="rId4"/>
+    <p:sldId id="261" r:id="rId5"/>
+    <p:sldId id="258" r:id="rId6"/>
+    <p:sldId id="259" r:id="rId7"/>
     <p:sldId id="262" r:id="rId8"/>
   </p:sldIdLst>
   <p:sldSz cx="9144000" cy="6858000" type="screen4x3"/>
@@ -112,7 +112,7 @@
   </p:defaultTextStyle>
   <p:extLst>
     <p:ext uri="{EFAFB233-063F-42B5-8137-9DF3F51BA10A}">
-      <p15:sldGuideLst xmlns:p15="http://schemas.microsoft.com/office/powerpoint/2012/main">
+      <p15:sldGuideLst xmlns:p15="http://schemas.microsoft.com/office/powerpoint/2012/main" xmlns="">
         <p15:guide id="1" orient="horz" pos="2160">
           <p15:clr>
             <a:srgbClr val="A4A3A4"/>
@@ -310,7 +310,7 @@
           <a:p>
             <a:fld id="{D9DEBD80-119B-4A47-856F-6A33C3B74995}" type="datetimeFigureOut">
               <a:rPr lang="it-IT" smtClean="0"/>
-              <a:t>09/11/2015</a:t>
+              <a:t>10/11/2015</a:t>
             </a:fld>
             <a:endParaRPr lang="it-IT"/>
           </a:p>
@@ -480,7 +480,7 @@
           <a:p>
             <a:fld id="{D9DEBD80-119B-4A47-856F-6A33C3B74995}" type="datetimeFigureOut">
               <a:rPr lang="it-IT" smtClean="0"/>
-              <a:t>09/11/2015</a:t>
+              <a:t>10/11/2015</a:t>
             </a:fld>
             <a:endParaRPr lang="it-IT"/>
           </a:p>
@@ -660,7 +660,7 @@
           <a:p>
             <a:fld id="{D9DEBD80-119B-4A47-856F-6A33C3B74995}" type="datetimeFigureOut">
               <a:rPr lang="it-IT" smtClean="0"/>
-              <a:t>09/11/2015</a:t>
+              <a:t>10/11/2015</a:t>
             </a:fld>
             <a:endParaRPr lang="it-IT"/>
           </a:p>
@@ -830,7 +830,7 @@
           <a:p>
             <a:fld id="{D9DEBD80-119B-4A47-856F-6A33C3B74995}" type="datetimeFigureOut">
               <a:rPr lang="it-IT" smtClean="0"/>
-              <a:t>09/11/2015</a:t>
+              <a:t>10/11/2015</a:t>
             </a:fld>
             <a:endParaRPr lang="it-IT"/>
           </a:p>
@@ -1076,7 +1076,7 @@
           <a:p>
             <a:fld id="{D9DEBD80-119B-4A47-856F-6A33C3B74995}" type="datetimeFigureOut">
               <a:rPr lang="it-IT" smtClean="0"/>
-              <a:t>09/11/2015</a:t>
+              <a:t>10/11/2015</a:t>
             </a:fld>
             <a:endParaRPr lang="it-IT"/>
           </a:p>
@@ -1364,7 +1364,7 @@
           <a:p>
             <a:fld id="{D9DEBD80-119B-4A47-856F-6A33C3B74995}" type="datetimeFigureOut">
               <a:rPr lang="it-IT" smtClean="0"/>
-              <a:t>09/11/2015</a:t>
+              <a:t>10/11/2015</a:t>
             </a:fld>
             <a:endParaRPr lang="it-IT"/>
           </a:p>
@@ -1786,7 +1786,7 @@
           <a:p>
             <a:fld id="{D9DEBD80-119B-4A47-856F-6A33C3B74995}" type="datetimeFigureOut">
               <a:rPr lang="it-IT" smtClean="0"/>
-              <a:t>09/11/2015</a:t>
+              <a:t>10/11/2015</a:t>
             </a:fld>
             <a:endParaRPr lang="it-IT"/>
           </a:p>
@@ -1904,7 +1904,7 @@
           <a:p>
             <a:fld id="{D9DEBD80-119B-4A47-856F-6A33C3B74995}" type="datetimeFigureOut">
               <a:rPr lang="it-IT" smtClean="0"/>
-              <a:t>09/11/2015</a:t>
+              <a:t>10/11/2015</a:t>
             </a:fld>
             <a:endParaRPr lang="it-IT"/>
           </a:p>
@@ -1999,7 +1999,7 @@
           <a:p>
             <a:fld id="{D9DEBD80-119B-4A47-856F-6A33C3B74995}" type="datetimeFigureOut">
               <a:rPr lang="it-IT" smtClean="0"/>
-              <a:t>09/11/2015</a:t>
+              <a:t>10/11/2015</a:t>
             </a:fld>
             <a:endParaRPr lang="it-IT"/>
           </a:p>
@@ -2276,7 +2276,7 @@
           <a:p>
             <a:fld id="{D9DEBD80-119B-4A47-856F-6A33C3B74995}" type="datetimeFigureOut">
               <a:rPr lang="it-IT" smtClean="0"/>
-              <a:t>09/11/2015</a:t>
+              <a:t>10/11/2015</a:t>
             </a:fld>
             <a:endParaRPr lang="it-IT"/>
           </a:p>
@@ -2529,7 +2529,7 @@
           <a:p>
             <a:fld id="{D9DEBD80-119B-4A47-856F-6A33C3B74995}" type="datetimeFigureOut">
               <a:rPr lang="it-IT" smtClean="0"/>
-              <a:t>09/11/2015</a:t>
+              <a:t>10/11/2015</a:t>
             </a:fld>
             <a:endParaRPr lang="it-IT"/>
           </a:p>
@@ -2742,7 +2742,7 @@
           <a:p>
             <a:fld id="{D9DEBD80-119B-4A47-856F-6A33C3B74995}" type="datetimeFigureOut">
               <a:rPr lang="it-IT" smtClean="0"/>
-              <a:t>09/11/2015</a:t>
+              <a:t>10/11/2015</a:t>
             </a:fld>
             <a:endParaRPr lang="it-IT"/>
           </a:p>
@@ -4790,6 +4790,1844 @@
       </p:grpSpPr>
       <p:sp>
         <p:nvSpPr>
+          <p:cNvPr id="16" name="Titolo 15"/>
+          <p:cNvSpPr>
+            <a:spLocks noGrp="1"/>
+          </p:cNvSpPr>
+          <p:nvPr>
+            <p:ph type="title"/>
+          </p:nvPr>
+        </p:nvSpPr>
+        <p:spPr>
+          <a:xfrm>
+            <a:off x="395536" y="188640"/>
+            <a:ext cx="1810544" cy="1008112"/>
+          </a:xfrm>
+        </p:spPr>
+        <p:style>
+          <a:lnRef idx="2">
+            <a:schemeClr val="dk1"/>
+          </a:lnRef>
+          <a:fillRef idx="1">
+            <a:schemeClr val="lt1"/>
+          </a:fillRef>
+          <a:effectRef idx="0">
+            <a:schemeClr val="dk1"/>
+          </a:effectRef>
+          <a:fontRef idx="minor">
+            <a:schemeClr val="dk1"/>
+          </a:fontRef>
+        </p:style>
+        <p:txBody>
+          <a:bodyPr/>
+          <a:lstStyle/>
+          <a:p>
+            <a:pPr algn="ctr"/>
+            <a:r>
+              <a:rPr lang="it-IT" b="0" dirty="0" err="1" smtClean="0">
+                <a:effectLst>
+                  <a:outerShdw blurRad="38100" dist="38100" dir="2700000" algn="tl">
+                    <a:srgbClr val="000000">
+                      <a:alpha val="43137"/>
+                    </a:srgbClr>
+                  </a:outerShdw>
+                </a:effectLst>
+                <a:latin typeface="Georgia" panose="02040502050405020303" pitchFamily="18" charset="0"/>
+              </a:rPr>
+              <a:t>Successful</a:t>
+            </a:r>
+            <a:r>
+              <a:rPr lang="it-IT" b="0" dirty="0" smtClean="0">
+                <a:effectLst>
+                  <a:outerShdw blurRad="38100" dist="38100" dir="2700000" algn="tl">
+                    <a:srgbClr val="000000">
+                      <a:alpha val="43137"/>
+                    </a:srgbClr>
+                  </a:outerShdw>
+                </a:effectLst>
+                <a:latin typeface="Georgia" panose="02040502050405020303" pitchFamily="18" charset="0"/>
+              </a:rPr>
+              <a:t> </a:t>
+            </a:r>
+            <a:r>
+              <a:rPr lang="it-IT" b="0" dirty="0" err="1">
+                <a:effectLst>
+                  <a:outerShdw blurRad="38100" dist="38100" dir="2700000" algn="tl">
+                    <a:srgbClr val="000000">
+                      <a:alpha val="43137"/>
+                    </a:srgbClr>
+                  </a:outerShdw>
+                </a:effectLst>
+                <a:latin typeface="Georgia" panose="02040502050405020303" pitchFamily="18" charset="0"/>
+              </a:rPr>
+              <a:t>r</a:t>
+            </a:r>
+            <a:r>
+              <a:rPr lang="it-IT" b="0" dirty="0" err="1" smtClean="0">
+                <a:effectLst>
+                  <a:outerShdw blurRad="38100" dist="38100" dir="2700000" algn="tl">
+                    <a:srgbClr val="000000">
+                      <a:alpha val="43137"/>
+                    </a:srgbClr>
+                  </a:outerShdw>
+                </a:effectLst>
+                <a:latin typeface="Georgia" panose="02040502050405020303" pitchFamily="18" charset="0"/>
+              </a:rPr>
+              <a:t>equest’s</a:t>
+            </a:r>
+            <a:r>
+              <a:rPr lang="it-IT" b="0" dirty="0" smtClean="0">
+                <a:effectLst>
+                  <a:outerShdw blurRad="38100" dist="38100" dir="2700000" algn="tl">
+                    <a:srgbClr val="000000">
+                      <a:alpha val="43137"/>
+                    </a:srgbClr>
+                  </a:outerShdw>
+                </a:effectLst>
+                <a:latin typeface="Georgia" panose="02040502050405020303" pitchFamily="18" charset="0"/>
+              </a:rPr>
+              <a:t> </a:t>
+            </a:r>
+            <a:r>
+              <a:rPr lang="it-IT" b="0" dirty="0" err="1" smtClean="0">
+                <a:effectLst>
+                  <a:outerShdw blurRad="38100" dist="38100" dir="2700000" algn="tl">
+                    <a:srgbClr val="000000">
+                      <a:alpha val="43137"/>
+                    </a:srgbClr>
+                  </a:outerShdw>
+                </a:effectLst>
+                <a:latin typeface="Georgia" panose="02040502050405020303" pitchFamily="18" charset="0"/>
+              </a:rPr>
+              <a:t>event</a:t>
+            </a:r>
+            <a:r>
+              <a:rPr lang="it-IT" b="0" dirty="0" smtClean="0">
+                <a:effectLst>
+                  <a:outerShdw blurRad="38100" dist="38100" dir="2700000" algn="tl">
+                    <a:srgbClr val="000000">
+                      <a:alpha val="43137"/>
+                    </a:srgbClr>
+                  </a:outerShdw>
+                </a:effectLst>
+                <a:latin typeface="Georgia" panose="02040502050405020303" pitchFamily="18" charset="0"/>
+              </a:rPr>
+              <a:t> flow</a:t>
+            </a:r>
+            <a:endParaRPr lang="it-IT" b="0" dirty="0">
+              <a:effectLst>
+                <a:outerShdw blurRad="38100" dist="38100" dir="2700000" algn="tl">
+                  <a:srgbClr val="000000">
+                    <a:alpha val="43137"/>
+                  </a:srgbClr>
+                </a:outerShdw>
+              </a:effectLst>
+              <a:latin typeface="Georgia" panose="02040502050405020303" pitchFamily="18" charset="0"/>
+            </a:endParaRPr>
+          </a:p>
+        </p:txBody>
+      </p:sp>
+      <p:sp>
+        <p:nvSpPr>
+          <p:cNvPr id="18" name="Segnaposto testo 17"/>
+          <p:cNvSpPr>
+            <a:spLocks noGrp="1"/>
+          </p:cNvSpPr>
+          <p:nvPr>
+            <p:ph type="body" sz="half" idx="2"/>
+          </p:nvPr>
+        </p:nvSpPr>
+        <p:spPr>
+          <a:xfrm>
+            <a:off x="179512" y="1435100"/>
+            <a:ext cx="2088233" cy="4946228"/>
+          </a:xfrm>
+        </p:spPr>
+        <p:txBody>
+          <a:bodyPr>
+            <a:normAutofit lnSpcReduction="10000"/>
+          </a:bodyPr>
+          <a:lstStyle/>
+          <a:p>
+            <a:pPr marL="285750" indent="-285750">
+              <a:buFont typeface="Arial" panose="020B0604020202020204" pitchFamily="34" charset="0"/>
+              <a:buChar char="•"/>
+            </a:pPr>
+            <a:r>
+              <a:rPr lang="it-IT" dirty="0" err="1" smtClean="0">
+                <a:latin typeface="Georgia" panose="02040502050405020303" pitchFamily="18" charset="0"/>
+              </a:rPr>
+              <a:t>After</a:t>
+            </a:r>
+            <a:r>
+              <a:rPr lang="it-IT" dirty="0" smtClean="0">
+                <a:latin typeface="Georgia" panose="02040502050405020303" pitchFamily="18" charset="0"/>
+              </a:rPr>
+              <a:t> the  </a:t>
+            </a:r>
+            <a:r>
+              <a:rPr lang="it-IT" dirty="0" err="1" smtClean="0">
+                <a:latin typeface="Georgia" panose="02040502050405020303" pitchFamily="18" charset="0"/>
+              </a:rPr>
+              <a:t>confirmation</a:t>
+            </a:r>
+            <a:r>
+              <a:rPr lang="it-IT" dirty="0" smtClean="0">
+                <a:latin typeface="Georgia" panose="02040502050405020303" pitchFamily="18" charset="0"/>
+              </a:rPr>
+              <a:t> the </a:t>
+            </a:r>
+            <a:r>
+              <a:rPr lang="it-IT" dirty="0" err="1" smtClean="0">
+                <a:latin typeface="Georgia" panose="02040502050405020303" pitchFamily="18" charset="0"/>
+              </a:rPr>
+              <a:t>system</a:t>
+            </a:r>
+            <a:r>
+              <a:rPr lang="it-IT" dirty="0" smtClean="0">
+                <a:latin typeface="Georgia" panose="02040502050405020303" pitchFamily="18" charset="0"/>
+              </a:rPr>
+              <a:t> </a:t>
+            </a:r>
+            <a:r>
+              <a:rPr lang="it-IT" dirty="0" err="1" smtClean="0">
+                <a:latin typeface="Georgia" panose="02040502050405020303" pitchFamily="18" charset="0"/>
+              </a:rPr>
+              <a:t>immediately</a:t>
+            </a:r>
+            <a:r>
+              <a:rPr lang="it-IT" dirty="0" smtClean="0">
+                <a:latin typeface="Georgia" panose="02040502050405020303" pitchFamily="18" charset="0"/>
+              </a:rPr>
+              <a:t> </a:t>
+            </a:r>
+            <a:r>
+              <a:rPr lang="it-IT" dirty="0" err="1" smtClean="0">
+                <a:latin typeface="Georgia" panose="02040502050405020303" pitchFamily="18" charset="0"/>
+              </a:rPr>
+              <a:t>starts</a:t>
+            </a:r>
+            <a:r>
+              <a:rPr lang="it-IT" dirty="0" smtClean="0">
+                <a:latin typeface="Georgia" panose="02040502050405020303" pitchFamily="18" charset="0"/>
+              </a:rPr>
+              <a:t> to </a:t>
+            </a:r>
+            <a:r>
+              <a:rPr lang="it-IT" dirty="0" err="1" smtClean="0">
+                <a:latin typeface="Georgia" panose="02040502050405020303" pitchFamily="18" charset="0"/>
+              </a:rPr>
+              <a:t>search</a:t>
+            </a:r>
+            <a:r>
+              <a:rPr lang="it-IT" dirty="0" smtClean="0">
+                <a:latin typeface="Georgia" panose="02040502050405020303" pitchFamily="18" charset="0"/>
+              </a:rPr>
+              <a:t> a taxi.</a:t>
+            </a:r>
+          </a:p>
+          <a:p>
+            <a:pPr marL="285750" indent="-285750">
+              <a:buFont typeface="Arial" panose="020B0604020202020204" pitchFamily="34" charset="0"/>
+              <a:buChar char="•"/>
+            </a:pPr>
+            <a:endParaRPr lang="it-IT" dirty="0">
+              <a:latin typeface="Georgia" panose="02040502050405020303" pitchFamily="18" charset="0"/>
+            </a:endParaRPr>
+          </a:p>
+          <a:p>
+            <a:pPr marL="285750" indent="-285750">
+              <a:buFont typeface="Arial" panose="020B0604020202020204" pitchFamily="34" charset="0"/>
+              <a:buChar char="•"/>
+            </a:pPr>
+            <a:r>
+              <a:rPr lang="it-IT" dirty="0" err="1" smtClean="0">
+                <a:latin typeface="Georgia" panose="02040502050405020303" pitchFamily="18" charset="0"/>
+              </a:rPr>
+              <a:t>Before</a:t>
+            </a:r>
+            <a:r>
+              <a:rPr lang="it-IT" dirty="0" smtClean="0">
+                <a:latin typeface="Georgia" panose="02040502050405020303" pitchFamily="18" charset="0"/>
+              </a:rPr>
+              <a:t> the </a:t>
+            </a:r>
+            <a:r>
+              <a:rPr lang="it-IT" dirty="0" err="1" smtClean="0">
+                <a:latin typeface="Georgia" panose="02040502050405020303" pitchFamily="18" charset="0"/>
+              </a:rPr>
+              <a:t>confirmation</a:t>
+            </a:r>
+            <a:r>
+              <a:rPr lang="it-IT" dirty="0" smtClean="0">
+                <a:latin typeface="Georgia" panose="02040502050405020303" pitchFamily="18" charset="0"/>
+              </a:rPr>
+              <a:t>, the </a:t>
+            </a:r>
+            <a:r>
+              <a:rPr lang="it-IT" dirty="0" err="1" smtClean="0">
+                <a:latin typeface="Georgia" panose="02040502050405020303" pitchFamily="18" charset="0"/>
+              </a:rPr>
+              <a:t>request</a:t>
+            </a:r>
+            <a:r>
+              <a:rPr lang="it-IT" dirty="0" smtClean="0">
+                <a:latin typeface="Georgia" panose="02040502050405020303" pitchFamily="18" charset="0"/>
+              </a:rPr>
+              <a:t> </a:t>
+            </a:r>
+            <a:r>
+              <a:rPr lang="it-IT" dirty="0" err="1" smtClean="0">
+                <a:latin typeface="Georgia" panose="02040502050405020303" pitchFamily="18" charset="0"/>
+              </a:rPr>
+              <a:t>has</a:t>
+            </a:r>
+            <a:r>
+              <a:rPr lang="it-IT" dirty="0" smtClean="0">
+                <a:latin typeface="Georgia" panose="02040502050405020303" pitchFamily="18" charset="0"/>
+              </a:rPr>
+              <a:t> no state, </a:t>
+            </a:r>
+            <a:r>
+              <a:rPr lang="it-IT" dirty="0" err="1" smtClean="0">
+                <a:latin typeface="Georgia" panose="02040502050405020303" pitchFamily="18" charset="0"/>
+              </a:rPr>
+              <a:t>because</a:t>
+            </a:r>
+            <a:r>
+              <a:rPr lang="it-IT" dirty="0" smtClean="0">
+                <a:latin typeface="Georgia" panose="02040502050405020303" pitchFamily="18" charset="0"/>
+              </a:rPr>
+              <a:t> </a:t>
+            </a:r>
+            <a:r>
+              <a:rPr lang="it-IT" dirty="0" err="1" smtClean="0">
+                <a:latin typeface="Georgia" panose="02040502050405020303" pitchFamily="18" charset="0"/>
+              </a:rPr>
+              <a:t>it</a:t>
+            </a:r>
+            <a:r>
+              <a:rPr lang="it-IT" dirty="0" smtClean="0">
+                <a:latin typeface="Georgia" panose="02040502050405020303" pitchFamily="18" charset="0"/>
+              </a:rPr>
+              <a:t> </a:t>
+            </a:r>
+            <a:r>
+              <a:rPr lang="it-IT" dirty="0" err="1" smtClean="0">
+                <a:latin typeface="Georgia" panose="02040502050405020303" pitchFamily="18" charset="0"/>
+              </a:rPr>
+              <a:t>doesn’t</a:t>
+            </a:r>
+            <a:r>
+              <a:rPr lang="it-IT" dirty="0" smtClean="0">
+                <a:latin typeface="Georgia" panose="02040502050405020303" pitchFamily="18" charset="0"/>
+              </a:rPr>
+              <a:t> </a:t>
+            </a:r>
+            <a:r>
+              <a:rPr lang="it-IT" dirty="0" err="1" smtClean="0">
+                <a:latin typeface="Georgia" panose="02040502050405020303" pitchFamily="18" charset="0"/>
+              </a:rPr>
+              <a:t>exist</a:t>
+            </a:r>
+            <a:r>
+              <a:rPr lang="it-IT" dirty="0" smtClean="0">
+                <a:latin typeface="Georgia" panose="02040502050405020303" pitchFamily="18" charset="0"/>
+              </a:rPr>
+              <a:t> </a:t>
+            </a:r>
+            <a:r>
+              <a:rPr lang="it-IT" dirty="0" err="1" smtClean="0">
+                <a:latin typeface="Georgia" panose="02040502050405020303" pitchFamily="18" charset="0"/>
+              </a:rPr>
+              <a:t>yet</a:t>
+            </a:r>
+            <a:r>
+              <a:rPr lang="it-IT" dirty="0" smtClean="0">
+                <a:latin typeface="Georgia" panose="02040502050405020303" pitchFamily="18" charset="0"/>
+              </a:rPr>
+              <a:t> in the </a:t>
+            </a:r>
+            <a:r>
+              <a:rPr lang="it-IT" dirty="0" err="1" smtClean="0">
+                <a:latin typeface="Georgia" panose="02040502050405020303" pitchFamily="18" charset="0"/>
+              </a:rPr>
+              <a:t>system</a:t>
+            </a:r>
+            <a:r>
+              <a:rPr lang="it-IT" dirty="0" smtClean="0">
+                <a:latin typeface="Georgia" panose="02040502050405020303" pitchFamily="18" charset="0"/>
+              </a:rPr>
+              <a:t>.</a:t>
+            </a:r>
+          </a:p>
+          <a:p>
+            <a:pPr marL="285750" indent="-285750">
+              <a:buFont typeface="Arial" panose="020B0604020202020204" pitchFamily="34" charset="0"/>
+              <a:buChar char="•"/>
+            </a:pPr>
+            <a:endParaRPr lang="it-IT" dirty="0">
+              <a:latin typeface="Georgia" panose="02040502050405020303" pitchFamily="18" charset="0"/>
+            </a:endParaRPr>
+          </a:p>
+          <a:p>
+            <a:pPr marL="285750" indent="-285750">
+              <a:buFont typeface="Arial" panose="020B0604020202020204" pitchFamily="34" charset="0"/>
+              <a:buChar char="•"/>
+            </a:pPr>
+            <a:r>
+              <a:rPr lang="it-IT" dirty="0" err="1" smtClean="0">
+                <a:latin typeface="Georgia" panose="02040502050405020303" pitchFamily="18" charset="0"/>
+              </a:rPr>
+              <a:t>After</a:t>
+            </a:r>
+            <a:r>
+              <a:rPr lang="it-IT" dirty="0" smtClean="0">
+                <a:latin typeface="Georgia" panose="02040502050405020303" pitchFamily="18" charset="0"/>
+              </a:rPr>
+              <a:t> the </a:t>
+            </a:r>
+            <a:r>
+              <a:rPr lang="it-IT" dirty="0" err="1" smtClean="0">
+                <a:latin typeface="Georgia" panose="02040502050405020303" pitchFamily="18" charset="0"/>
+              </a:rPr>
+              <a:t>confirmation</a:t>
+            </a:r>
+            <a:r>
+              <a:rPr lang="it-IT" dirty="0" smtClean="0">
+                <a:latin typeface="Georgia" panose="02040502050405020303" pitchFamily="18" charset="0"/>
+              </a:rPr>
+              <a:t>, the </a:t>
+            </a:r>
+            <a:r>
+              <a:rPr lang="it-IT" dirty="0" err="1" smtClean="0">
+                <a:latin typeface="Georgia" panose="02040502050405020303" pitchFamily="18" charset="0"/>
+              </a:rPr>
+              <a:t>request’s</a:t>
+            </a:r>
+            <a:r>
+              <a:rPr lang="it-IT" dirty="0" smtClean="0">
+                <a:latin typeface="Georgia" panose="02040502050405020303" pitchFamily="18" charset="0"/>
+              </a:rPr>
+              <a:t> state </a:t>
+            </a:r>
+            <a:r>
+              <a:rPr lang="it-IT" dirty="0" err="1" smtClean="0">
+                <a:latin typeface="Georgia" panose="02040502050405020303" pitchFamily="18" charset="0"/>
+              </a:rPr>
+              <a:t>is</a:t>
+            </a:r>
+            <a:r>
+              <a:rPr lang="it-IT" dirty="0" smtClean="0">
+                <a:latin typeface="Georgia" panose="02040502050405020303" pitchFamily="18" charset="0"/>
+              </a:rPr>
+              <a:t> </a:t>
+            </a:r>
+            <a:r>
+              <a:rPr lang="it-IT" i="1" dirty="0" err="1" smtClean="0">
+                <a:solidFill>
+                  <a:srgbClr val="FF0000"/>
+                </a:solidFill>
+                <a:latin typeface="Georgia" panose="02040502050405020303" pitchFamily="18" charset="0"/>
+              </a:rPr>
+              <a:t>NotAssigned</a:t>
+            </a:r>
+            <a:r>
+              <a:rPr lang="it-IT" i="1" dirty="0">
+                <a:latin typeface="Georgia" panose="02040502050405020303" pitchFamily="18" charset="0"/>
+              </a:rPr>
+              <a:t>.</a:t>
+            </a:r>
+            <a:endParaRPr lang="it-IT" i="1" dirty="0" smtClean="0">
+              <a:solidFill>
+                <a:srgbClr val="FF0000"/>
+              </a:solidFill>
+              <a:latin typeface="Georgia" panose="02040502050405020303" pitchFamily="18" charset="0"/>
+            </a:endParaRPr>
+          </a:p>
+          <a:p>
+            <a:pPr marL="285750" indent="-285750">
+              <a:buFont typeface="Arial" panose="020B0604020202020204" pitchFamily="34" charset="0"/>
+              <a:buChar char="•"/>
+            </a:pPr>
+            <a:endParaRPr lang="it-IT" dirty="0" smtClean="0">
+              <a:latin typeface="Georgia" panose="02040502050405020303" pitchFamily="18" charset="0"/>
+            </a:endParaRPr>
+          </a:p>
+          <a:p>
+            <a:pPr marL="285750" indent="-285750">
+              <a:buFont typeface="Arial" panose="020B0604020202020204" pitchFamily="34" charset="0"/>
+              <a:buChar char="•"/>
+            </a:pPr>
+            <a:r>
+              <a:rPr lang="it-IT" dirty="0" err="1" smtClean="0">
+                <a:latin typeface="Georgia" panose="02040502050405020303" pitchFamily="18" charset="0"/>
+              </a:rPr>
+              <a:t>After</a:t>
+            </a:r>
+            <a:r>
+              <a:rPr lang="it-IT" dirty="0" smtClean="0">
+                <a:latin typeface="Georgia" panose="02040502050405020303" pitchFamily="18" charset="0"/>
+              </a:rPr>
+              <a:t> the last </a:t>
+            </a:r>
+            <a:r>
+              <a:rPr lang="it-IT" dirty="0" err="1" smtClean="0">
+                <a:latin typeface="Georgia" panose="02040502050405020303" pitchFamily="18" charset="0"/>
+              </a:rPr>
+              <a:t>operation</a:t>
+            </a:r>
+            <a:r>
+              <a:rPr lang="it-IT" dirty="0" smtClean="0">
+                <a:latin typeface="Georgia" panose="02040502050405020303" pitchFamily="18" charset="0"/>
+              </a:rPr>
+              <a:t>, the </a:t>
+            </a:r>
+            <a:r>
+              <a:rPr lang="it-IT" dirty="0" err="1" smtClean="0">
+                <a:latin typeface="Georgia" panose="02040502050405020303" pitchFamily="18" charset="0"/>
+              </a:rPr>
+              <a:t>request’s</a:t>
+            </a:r>
+            <a:r>
+              <a:rPr lang="it-IT" dirty="0" smtClean="0">
+                <a:latin typeface="Georgia" panose="02040502050405020303" pitchFamily="18" charset="0"/>
+              </a:rPr>
+              <a:t> state </a:t>
+            </a:r>
+            <a:r>
+              <a:rPr lang="it-IT" dirty="0" err="1" smtClean="0">
+                <a:latin typeface="Georgia" panose="02040502050405020303" pitchFamily="18" charset="0"/>
+              </a:rPr>
+              <a:t>is</a:t>
+            </a:r>
+            <a:r>
+              <a:rPr lang="it-IT" dirty="0" smtClean="0">
+                <a:latin typeface="Georgia" panose="02040502050405020303" pitchFamily="18" charset="0"/>
+              </a:rPr>
+              <a:t> </a:t>
+            </a:r>
+            <a:r>
+              <a:rPr lang="it-IT" i="1" dirty="0" err="1" smtClean="0">
+                <a:solidFill>
+                  <a:srgbClr val="FF0000"/>
+                </a:solidFill>
+                <a:latin typeface="Georgia" panose="02040502050405020303" pitchFamily="18" charset="0"/>
+              </a:rPr>
+              <a:t>Assigned</a:t>
+            </a:r>
+            <a:r>
+              <a:rPr lang="it-IT" i="1" dirty="0">
+                <a:solidFill>
+                  <a:srgbClr val="FF0000"/>
+                </a:solidFill>
+                <a:latin typeface="Georgia" panose="02040502050405020303" pitchFamily="18" charset="0"/>
+              </a:rPr>
+              <a:t>.</a:t>
+            </a:r>
+            <a:endParaRPr lang="it-IT" i="1" dirty="0" smtClean="0">
+              <a:solidFill>
+                <a:srgbClr val="FF0000"/>
+              </a:solidFill>
+              <a:latin typeface="Georgia" panose="02040502050405020303" pitchFamily="18" charset="0"/>
+            </a:endParaRPr>
+          </a:p>
+          <a:p>
+            <a:pPr marL="285750" indent="-285750">
+              <a:buFont typeface="Arial" panose="020B0604020202020204" pitchFamily="34" charset="0"/>
+              <a:buChar char="•"/>
+            </a:pPr>
+            <a:endParaRPr lang="it-IT" dirty="0"/>
+          </a:p>
+        </p:txBody>
+      </p:sp>
+      <p:pic>
+        <p:nvPicPr>
+          <p:cNvPr id="21" name="Segnaposto contenuto 20"/>
+          <p:cNvPicPr>
+            <a:picLocks noGrp="1" noChangeAspect="1"/>
+          </p:cNvPicPr>
+          <p:nvPr>
+            <p:ph idx="1"/>
+          </p:nvPr>
+        </p:nvPicPr>
+        <p:blipFill>
+          <a:blip r:embed="rId2" cstate="print">
+            <a:extLst>
+              <a:ext uri="{28A0092B-C50C-407E-A947-70E740481C1C}">
+                <a14:useLocalDpi xmlns:a14="http://schemas.microsoft.com/office/drawing/2010/main" val="0"/>
+              </a:ext>
+            </a:extLst>
+          </a:blip>
+          <a:stretch>
+            <a:fillRect/>
+          </a:stretch>
+        </p:blipFill>
+        <p:spPr>
+          <a:xfrm>
+            <a:off x="2268538" y="260648"/>
+            <a:ext cx="7848078" cy="6048671"/>
+          </a:xfrm>
+        </p:spPr>
+      </p:pic>
+    </p:spTree>
+    <p:extLst>
+      <p:ext uri="{BB962C8B-B14F-4D97-AF65-F5344CB8AC3E}">
+        <p14:creationId xmlns:p14="http://schemas.microsoft.com/office/powerpoint/2010/main" val="4001682420"/>
+      </p:ext>
+    </p:extLst>
+  </p:cSld>
+  <p:clrMapOvr>
+    <a:masterClrMapping/>
+  </p:clrMapOvr>
+  <p:timing>
+    <p:tnLst>
+      <p:par>
+        <p:cTn id="1" dur="indefinite" restart="never" nodeType="tmRoot">
+          <p:childTnLst>
+            <p:seq concurrent="1" nextAc="seek">
+              <p:cTn id="2" dur="indefinite" nodeType="mainSeq">
+                <p:childTnLst>
+                  <p:par>
+                    <p:cTn id="3" fill="hold">
+                      <p:stCondLst>
+                        <p:cond delay="indefinite"/>
+                      </p:stCondLst>
+                      <p:childTnLst>
+                        <p:par>
+                          <p:cTn id="4" fill="hold">
+                            <p:stCondLst>
+                              <p:cond delay="0"/>
+                            </p:stCondLst>
+                            <p:childTnLst>
+                              <p:par>
+                                <p:cTn id="5" presetID="53" presetClass="entr" presetSubtype="16" fill="hold" nodeType="clickEffect">
+                                  <p:stCondLst>
+                                    <p:cond delay="0"/>
+                                  </p:stCondLst>
+                                  <p:childTnLst>
+                                    <p:set>
+                                      <p:cBhvr>
+                                        <p:cTn id="6" dur="1" fill="hold">
+                                          <p:stCondLst>
+                                            <p:cond delay="0"/>
+                                          </p:stCondLst>
+                                        </p:cTn>
+                                        <p:tgtEl>
+                                          <p:spTgt spid="21"/>
+                                        </p:tgtEl>
+                                        <p:attrNameLst>
+                                          <p:attrName>style.visibility</p:attrName>
+                                        </p:attrNameLst>
+                                      </p:cBhvr>
+                                      <p:to>
+                                        <p:strVal val="visible"/>
+                                      </p:to>
+                                    </p:set>
+                                    <p:anim calcmode="lin" valueType="num">
+                                      <p:cBhvr>
+                                        <p:cTn id="7" dur="500" fill="hold"/>
+                                        <p:tgtEl>
+                                          <p:spTgt spid="21"/>
+                                        </p:tgtEl>
+                                        <p:attrNameLst>
+                                          <p:attrName>ppt_w</p:attrName>
+                                        </p:attrNameLst>
+                                      </p:cBhvr>
+                                      <p:tavLst>
+                                        <p:tav tm="0">
+                                          <p:val>
+                                            <p:fltVal val="0"/>
+                                          </p:val>
+                                        </p:tav>
+                                        <p:tav tm="100000">
+                                          <p:val>
+                                            <p:strVal val="#ppt_w"/>
+                                          </p:val>
+                                        </p:tav>
+                                      </p:tavLst>
+                                    </p:anim>
+                                    <p:anim calcmode="lin" valueType="num">
+                                      <p:cBhvr>
+                                        <p:cTn id="8" dur="500" fill="hold"/>
+                                        <p:tgtEl>
+                                          <p:spTgt spid="21"/>
+                                        </p:tgtEl>
+                                        <p:attrNameLst>
+                                          <p:attrName>ppt_h</p:attrName>
+                                        </p:attrNameLst>
+                                      </p:cBhvr>
+                                      <p:tavLst>
+                                        <p:tav tm="0">
+                                          <p:val>
+                                            <p:fltVal val="0"/>
+                                          </p:val>
+                                        </p:tav>
+                                        <p:tav tm="100000">
+                                          <p:val>
+                                            <p:strVal val="#ppt_h"/>
+                                          </p:val>
+                                        </p:tav>
+                                      </p:tavLst>
+                                    </p:anim>
+                                    <p:animEffect transition="in" filter="fade">
+                                      <p:cBhvr>
+                                        <p:cTn id="9" dur="500"/>
+                                        <p:tgtEl>
+                                          <p:spTgt spid="21"/>
+                                        </p:tgtEl>
+                                      </p:cBhvr>
+                                    </p:animEffect>
+                                  </p:childTnLst>
+                                </p:cTn>
+                              </p:par>
+                            </p:childTnLst>
+                          </p:cTn>
+                        </p:par>
+                      </p:childTnLst>
+                    </p:cTn>
+                  </p:par>
+                  <p:par>
+                    <p:cTn id="10" fill="hold">
+                      <p:stCondLst>
+                        <p:cond delay="indefinite"/>
+                      </p:stCondLst>
+                      <p:childTnLst>
+                        <p:par>
+                          <p:cTn id="11" fill="hold">
+                            <p:stCondLst>
+                              <p:cond delay="0"/>
+                            </p:stCondLst>
+                            <p:childTnLst>
+                              <p:par>
+                                <p:cTn id="12" presetID="10" presetClass="entr" presetSubtype="0" fill="hold" nodeType="clickEffect">
+                                  <p:stCondLst>
+                                    <p:cond delay="0"/>
+                                  </p:stCondLst>
+                                  <p:childTnLst>
+                                    <p:set>
+                                      <p:cBhvr>
+                                        <p:cTn id="13" dur="1" fill="hold">
+                                          <p:stCondLst>
+                                            <p:cond delay="0"/>
+                                          </p:stCondLst>
+                                        </p:cTn>
+                                        <p:tgtEl>
+                                          <p:spTgt spid="18">
+                                            <p:txEl>
+                                              <p:pRg st="0" end="0"/>
+                                            </p:txEl>
+                                          </p:spTgt>
+                                        </p:tgtEl>
+                                        <p:attrNameLst>
+                                          <p:attrName>style.visibility</p:attrName>
+                                        </p:attrNameLst>
+                                      </p:cBhvr>
+                                      <p:to>
+                                        <p:strVal val="visible"/>
+                                      </p:to>
+                                    </p:set>
+                                    <p:animEffect transition="in" filter="fade">
+                                      <p:cBhvr>
+                                        <p:cTn id="14" dur="500"/>
+                                        <p:tgtEl>
+                                          <p:spTgt spid="18">
+                                            <p:txEl>
+                                              <p:pRg st="0" end="0"/>
+                                            </p:txEl>
+                                          </p:spTgt>
+                                        </p:tgtEl>
+                                      </p:cBhvr>
+                                    </p:animEffect>
+                                  </p:childTnLst>
+                                </p:cTn>
+                              </p:par>
+                            </p:childTnLst>
+                          </p:cTn>
+                        </p:par>
+                      </p:childTnLst>
+                    </p:cTn>
+                  </p:par>
+                  <p:par>
+                    <p:cTn id="15" fill="hold">
+                      <p:stCondLst>
+                        <p:cond delay="indefinite"/>
+                      </p:stCondLst>
+                      <p:childTnLst>
+                        <p:par>
+                          <p:cTn id="16" fill="hold">
+                            <p:stCondLst>
+                              <p:cond delay="0"/>
+                            </p:stCondLst>
+                            <p:childTnLst>
+                              <p:par>
+                                <p:cTn id="17" presetID="10" presetClass="entr" presetSubtype="0" fill="hold" nodeType="clickEffect">
+                                  <p:stCondLst>
+                                    <p:cond delay="0"/>
+                                  </p:stCondLst>
+                                  <p:childTnLst>
+                                    <p:set>
+                                      <p:cBhvr>
+                                        <p:cTn id="18" dur="1" fill="hold">
+                                          <p:stCondLst>
+                                            <p:cond delay="0"/>
+                                          </p:stCondLst>
+                                        </p:cTn>
+                                        <p:tgtEl>
+                                          <p:spTgt spid="18">
+                                            <p:txEl>
+                                              <p:pRg st="2" end="2"/>
+                                            </p:txEl>
+                                          </p:spTgt>
+                                        </p:tgtEl>
+                                        <p:attrNameLst>
+                                          <p:attrName>style.visibility</p:attrName>
+                                        </p:attrNameLst>
+                                      </p:cBhvr>
+                                      <p:to>
+                                        <p:strVal val="visible"/>
+                                      </p:to>
+                                    </p:set>
+                                    <p:animEffect transition="in" filter="fade">
+                                      <p:cBhvr>
+                                        <p:cTn id="19" dur="500"/>
+                                        <p:tgtEl>
+                                          <p:spTgt spid="18">
+                                            <p:txEl>
+                                              <p:pRg st="2" end="2"/>
+                                            </p:txEl>
+                                          </p:spTgt>
+                                        </p:tgtEl>
+                                      </p:cBhvr>
+                                    </p:animEffect>
+                                  </p:childTnLst>
+                                </p:cTn>
+                              </p:par>
+                            </p:childTnLst>
+                          </p:cTn>
+                        </p:par>
+                      </p:childTnLst>
+                    </p:cTn>
+                  </p:par>
+                  <p:par>
+                    <p:cTn id="20" fill="hold">
+                      <p:stCondLst>
+                        <p:cond delay="indefinite"/>
+                      </p:stCondLst>
+                      <p:childTnLst>
+                        <p:par>
+                          <p:cTn id="21" fill="hold">
+                            <p:stCondLst>
+                              <p:cond delay="0"/>
+                            </p:stCondLst>
+                            <p:childTnLst>
+                              <p:par>
+                                <p:cTn id="22" presetID="10" presetClass="entr" presetSubtype="0" fill="hold" nodeType="clickEffect">
+                                  <p:stCondLst>
+                                    <p:cond delay="0"/>
+                                  </p:stCondLst>
+                                  <p:childTnLst>
+                                    <p:set>
+                                      <p:cBhvr>
+                                        <p:cTn id="23" dur="1" fill="hold">
+                                          <p:stCondLst>
+                                            <p:cond delay="0"/>
+                                          </p:stCondLst>
+                                        </p:cTn>
+                                        <p:tgtEl>
+                                          <p:spTgt spid="18">
+                                            <p:txEl>
+                                              <p:pRg st="4" end="4"/>
+                                            </p:txEl>
+                                          </p:spTgt>
+                                        </p:tgtEl>
+                                        <p:attrNameLst>
+                                          <p:attrName>style.visibility</p:attrName>
+                                        </p:attrNameLst>
+                                      </p:cBhvr>
+                                      <p:to>
+                                        <p:strVal val="visible"/>
+                                      </p:to>
+                                    </p:set>
+                                    <p:animEffect transition="in" filter="fade">
+                                      <p:cBhvr>
+                                        <p:cTn id="24" dur="500"/>
+                                        <p:tgtEl>
+                                          <p:spTgt spid="18">
+                                            <p:txEl>
+                                              <p:pRg st="4" end="4"/>
+                                            </p:txEl>
+                                          </p:spTgt>
+                                        </p:tgtEl>
+                                      </p:cBhvr>
+                                    </p:animEffect>
+                                  </p:childTnLst>
+                                </p:cTn>
+                              </p:par>
+                            </p:childTnLst>
+                          </p:cTn>
+                        </p:par>
+                      </p:childTnLst>
+                    </p:cTn>
+                  </p:par>
+                  <p:par>
+                    <p:cTn id="25" fill="hold">
+                      <p:stCondLst>
+                        <p:cond delay="indefinite"/>
+                      </p:stCondLst>
+                      <p:childTnLst>
+                        <p:par>
+                          <p:cTn id="26" fill="hold">
+                            <p:stCondLst>
+                              <p:cond delay="0"/>
+                            </p:stCondLst>
+                            <p:childTnLst>
+                              <p:par>
+                                <p:cTn id="27" presetID="10" presetClass="entr" presetSubtype="0" fill="hold" nodeType="clickEffect">
+                                  <p:stCondLst>
+                                    <p:cond delay="0"/>
+                                  </p:stCondLst>
+                                  <p:childTnLst>
+                                    <p:set>
+                                      <p:cBhvr>
+                                        <p:cTn id="28" dur="1" fill="hold">
+                                          <p:stCondLst>
+                                            <p:cond delay="0"/>
+                                          </p:stCondLst>
+                                        </p:cTn>
+                                        <p:tgtEl>
+                                          <p:spTgt spid="18">
+                                            <p:txEl>
+                                              <p:pRg st="6" end="6"/>
+                                            </p:txEl>
+                                          </p:spTgt>
+                                        </p:tgtEl>
+                                        <p:attrNameLst>
+                                          <p:attrName>style.visibility</p:attrName>
+                                        </p:attrNameLst>
+                                      </p:cBhvr>
+                                      <p:to>
+                                        <p:strVal val="visible"/>
+                                      </p:to>
+                                    </p:set>
+                                    <p:animEffect transition="in" filter="fade">
+                                      <p:cBhvr>
+                                        <p:cTn id="29" dur="500"/>
+                                        <p:tgtEl>
+                                          <p:spTgt spid="18">
+                                            <p:txEl>
+                                              <p:pRg st="6" end="6"/>
+                                            </p:txEl>
+                                          </p:spTgt>
+                                        </p:tgtEl>
+                                      </p:cBhvr>
+                                    </p:animEffect>
+                                  </p:childTnLst>
+                                </p:cTn>
+                              </p:par>
+                            </p:childTnLst>
+                          </p:cTn>
+                        </p:par>
+                      </p:childTnLst>
+                    </p:cTn>
+                  </p:par>
+                </p:childTnLst>
+              </p:cTn>
+              <p:prevCondLst>
+                <p:cond evt="onPrev" delay="0">
+                  <p:tgtEl>
+                    <p:sldTgt/>
+                  </p:tgtEl>
+                </p:cond>
+              </p:prevCondLst>
+              <p:nextCondLst>
+                <p:cond evt="onNext" delay="0">
+                  <p:tgtEl>
+                    <p:sldTgt/>
+                  </p:tgtEl>
+                </p:cond>
+              </p:nextCondLst>
+            </p:seq>
+          </p:childTnLst>
+        </p:cTn>
+      </p:par>
+    </p:tnLst>
+  </p:timing>
+</p:sld>
+</file>
+
+<file path=ppt/slides/slide4.xml><?xml version="1.0" encoding="utf-8"?>
+<p:sld xmlns:a="http://schemas.openxmlformats.org/drawingml/2006/main" xmlns:r="http://schemas.openxmlformats.org/officeDocument/2006/relationships" xmlns:p="http://schemas.openxmlformats.org/presentationml/2006/main">
+  <p:cSld>
+    <p:spTree>
+      <p:nvGrpSpPr>
+        <p:cNvPr id="1" name=""/>
+        <p:cNvGrpSpPr/>
+        <p:nvPr/>
+      </p:nvGrpSpPr>
+      <p:grpSpPr>
+        <a:xfrm>
+          <a:off x="0" y="0"/>
+          <a:ext cx="0" cy="0"/>
+          <a:chOff x="0" y="0"/>
+          <a:chExt cx="0" cy="0"/>
+        </a:xfrm>
+      </p:grpSpPr>
+      <p:sp>
+        <p:nvSpPr>
+          <p:cNvPr id="4" name="Titolo 3"/>
+          <p:cNvSpPr>
+            <a:spLocks noGrp="1"/>
+          </p:cNvSpPr>
+          <p:nvPr>
+            <p:ph type="title"/>
+          </p:nvPr>
+        </p:nvSpPr>
+        <p:spPr>
+          <a:xfrm>
+            <a:off x="395536" y="188640"/>
+            <a:ext cx="1882552" cy="1008112"/>
+          </a:xfrm>
+        </p:spPr>
+        <p:style>
+          <a:lnRef idx="2">
+            <a:schemeClr val="dk1"/>
+          </a:lnRef>
+          <a:fillRef idx="1">
+            <a:schemeClr val="lt1"/>
+          </a:fillRef>
+          <a:effectRef idx="0">
+            <a:schemeClr val="dk1"/>
+          </a:effectRef>
+          <a:fontRef idx="minor">
+            <a:schemeClr val="dk1"/>
+          </a:fontRef>
+        </p:style>
+        <p:txBody>
+          <a:bodyPr/>
+          <a:lstStyle/>
+          <a:p>
+            <a:pPr algn="ctr"/>
+            <a:r>
+              <a:rPr lang="it-IT" b="0" dirty="0" err="1" smtClean="0">
+                <a:effectLst>
+                  <a:outerShdw blurRad="38100" dist="38100" dir="2700000" algn="tl">
+                    <a:srgbClr val="000000">
+                      <a:alpha val="43137"/>
+                    </a:srgbClr>
+                  </a:outerShdw>
+                </a:effectLst>
+                <a:latin typeface="Georgia" panose="02040502050405020303" pitchFamily="18" charset="0"/>
+              </a:rPr>
+              <a:t>Successful</a:t>
+            </a:r>
+            <a:r>
+              <a:rPr lang="it-IT" b="0" dirty="0" smtClean="0">
+                <a:effectLst>
+                  <a:outerShdw blurRad="38100" dist="38100" dir="2700000" algn="tl">
+                    <a:srgbClr val="000000">
+                      <a:alpha val="43137"/>
+                    </a:srgbClr>
+                  </a:outerShdw>
+                </a:effectLst>
+                <a:latin typeface="Georgia" panose="02040502050405020303" pitchFamily="18" charset="0"/>
+              </a:rPr>
+              <a:t> </a:t>
+            </a:r>
+            <a:r>
+              <a:rPr lang="it-IT" b="0" dirty="0" err="1" smtClean="0">
+                <a:effectLst>
+                  <a:outerShdw blurRad="38100" dist="38100" dir="2700000" algn="tl">
+                    <a:srgbClr val="000000">
+                      <a:alpha val="43137"/>
+                    </a:srgbClr>
+                  </a:outerShdw>
+                </a:effectLst>
+                <a:latin typeface="Georgia" panose="02040502050405020303" pitchFamily="18" charset="0"/>
+              </a:rPr>
+              <a:t>reservation’s</a:t>
+            </a:r>
+            <a:r>
+              <a:rPr lang="it-IT" b="0" dirty="0" smtClean="0">
+                <a:effectLst>
+                  <a:outerShdw blurRad="38100" dist="38100" dir="2700000" algn="tl">
+                    <a:srgbClr val="000000">
+                      <a:alpha val="43137"/>
+                    </a:srgbClr>
+                  </a:outerShdw>
+                </a:effectLst>
+                <a:latin typeface="Georgia" panose="02040502050405020303" pitchFamily="18" charset="0"/>
+              </a:rPr>
+              <a:t> </a:t>
+            </a:r>
+            <a:r>
+              <a:rPr lang="it-IT" b="0" dirty="0" err="1" smtClean="0">
+                <a:effectLst>
+                  <a:outerShdw blurRad="38100" dist="38100" dir="2700000" algn="tl">
+                    <a:srgbClr val="000000">
+                      <a:alpha val="43137"/>
+                    </a:srgbClr>
+                  </a:outerShdw>
+                </a:effectLst>
+                <a:latin typeface="Georgia" panose="02040502050405020303" pitchFamily="18" charset="0"/>
+              </a:rPr>
+              <a:t>event</a:t>
+            </a:r>
+            <a:r>
+              <a:rPr lang="it-IT" b="0" dirty="0" smtClean="0">
+                <a:effectLst>
+                  <a:outerShdw blurRad="38100" dist="38100" dir="2700000" algn="tl">
+                    <a:srgbClr val="000000">
+                      <a:alpha val="43137"/>
+                    </a:srgbClr>
+                  </a:outerShdw>
+                </a:effectLst>
+                <a:latin typeface="Georgia" panose="02040502050405020303" pitchFamily="18" charset="0"/>
+              </a:rPr>
+              <a:t> flow</a:t>
+            </a:r>
+            <a:endParaRPr lang="it-IT" b="0" dirty="0">
+              <a:effectLst>
+                <a:outerShdw blurRad="38100" dist="38100" dir="2700000" algn="tl">
+                  <a:srgbClr val="000000">
+                    <a:alpha val="43137"/>
+                  </a:srgbClr>
+                </a:outerShdw>
+              </a:effectLst>
+              <a:latin typeface="Georgia" panose="02040502050405020303" pitchFamily="18" charset="0"/>
+            </a:endParaRPr>
+          </a:p>
+        </p:txBody>
+      </p:sp>
+      <p:pic>
+        <p:nvPicPr>
+          <p:cNvPr id="7" name="Segnaposto contenuto 6"/>
+          <p:cNvPicPr>
+            <a:picLocks noGrp="1" noChangeAspect="1"/>
+          </p:cNvPicPr>
+          <p:nvPr>
+            <p:ph idx="1"/>
+          </p:nvPr>
+        </p:nvPicPr>
+        <p:blipFill>
+          <a:blip r:embed="rId2" cstate="print">
+            <a:extLst>
+              <a:ext uri="{28A0092B-C50C-407E-A947-70E740481C1C}">
+                <a14:useLocalDpi xmlns:a14="http://schemas.microsoft.com/office/drawing/2010/main" val="0"/>
+              </a:ext>
+            </a:extLst>
+          </a:blip>
+          <a:stretch>
+            <a:fillRect/>
+          </a:stretch>
+        </p:blipFill>
+        <p:spPr>
+          <a:xfrm>
+            <a:off x="2411412" y="408198"/>
+            <a:ext cx="7417171" cy="6189154"/>
+          </a:xfrm>
+        </p:spPr>
+      </p:pic>
+      <p:sp>
+        <p:nvSpPr>
+          <p:cNvPr id="6" name="Segnaposto testo 5"/>
+          <p:cNvSpPr>
+            <a:spLocks noGrp="1"/>
+          </p:cNvSpPr>
+          <p:nvPr>
+            <p:ph type="body" sz="half" idx="2"/>
+          </p:nvPr>
+        </p:nvSpPr>
+        <p:spPr>
+          <a:xfrm>
+            <a:off x="467544" y="1556792"/>
+            <a:ext cx="1882552" cy="5018236"/>
+          </a:xfrm>
+        </p:spPr>
+        <p:txBody>
+          <a:bodyPr>
+            <a:normAutofit/>
+          </a:bodyPr>
+          <a:lstStyle/>
+          <a:p>
+            <a:pPr marL="285750" indent="-285750">
+              <a:buFont typeface="Arial" panose="020B0604020202020204" pitchFamily="34" charset="0"/>
+              <a:buChar char="•"/>
+            </a:pPr>
+            <a:r>
+              <a:rPr lang="it-IT" sz="1300" dirty="0" smtClean="0">
+                <a:latin typeface="Georgia" panose="02040502050405020303" pitchFamily="18" charset="0"/>
+              </a:rPr>
+              <a:t>The </a:t>
+            </a:r>
+            <a:r>
+              <a:rPr lang="it-IT" sz="1300" dirty="0" err="1" smtClean="0">
+                <a:latin typeface="Georgia" panose="02040502050405020303" pitchFamily="18" charset="0"/>
+              </a:rPr>
+              <a:t>overlaps</a:t>
+            </a:r>
+            <a:r>
+              <a:rPr lang="it-IT" sz="1300" dirty="0" smtClean="0">
+                <a:latin typeface="Georgia" panose="02040502050405020303" pitchFamily="18" charset="0"/>
+              </a:rPr>
+              <a:t> </a:t>
+            </a:r>
+            <a:r>
+              <a:rPr lang="it-IT" sz="1300" dirty="0" err="1" smtClean="0">
+                <a:latin typeface="Georgia" panose="02040502050405020303" pitchFamily="18" charset="0"/>
+              </a:rPr>
+              <a:t>verification</a:t>
+            </a:r>
+            <a:r>
+              <a:rPr lang="it-IT" sz="1300" dirty="0" smtClean="0">
+                <a:latin typeface="Georgia" panose="02040502050405020303" pitchFamily="18" charset="0"/>
+              </a:rPr>
+              <a:t> and the taxi </a:t>
+            </a:r>
+            <a:r>
+              <a:rPr lang="it-IT" sz="1300" dirty="0" err="1" smtClean="0">
+                <a:latin typeface="Georgia" panose="02040502050405020303" pitchFamily="18" charset="0"/>
+              </a:rPr>
+              <a:t>search</a:t>
+            </a:r>
+            <a:r>
+              <a:rPr lang="it-IT" sz="1300" dirty="0" smtClean="0">
+                <a:latin typeface="Georgia" panose="02040502050405020303" pitchFamily="18" charset="0"/>
+              </a:rPr>
+              <a:t> are </a:t>
+            </a:r>
+            <a:r>
+              <a:rPr lang="it-IT" sz="1300" dirty="0" err="1" smtClean="0">
+                <a:latin typeface="Georgia" panose="02040502050405020303" pitchFamily="18" charset="0"/>
+              </a:rPr>
+              <a:t>delayed</a:t>
+            </a:r>
+            <a:r>
+              <a:rPr lang="it-IT" sz="1300" dirty="0" smtClean="0">
+                <a:latin typeface="Georgia" panose="02040502050405020303" pitchFamily="18" charset="0"/>
+              </a:rPr>
+              <a:t> </a:t>
+            </a:r>
+            <a:r>
+              <a:rPr lang="it-IT" sz="1300" dirty="0" err="1" smtClean="0">
+                <a:latin typeface="Georgia" panose="02040502050405020303" pitchFamily="18" charset="0"/>
+              </a:rPr>
+              <a:t>until</a:t>
+            </a:r>
+            <a:r>
+              <a:rPr lang="it-IT" sz="1300" dirty="0" smtClean="0">
+                <a:latin typeface="Georgia" panose="02040502050405020303" pitchFamily="18" charset="0"/>
+              </a:rPr>
+              <a:t> the last 10 minutes </a:t>
+            </a:r>
+            <a:r>
+              <a:rPr lang="it-IT" sz="1300" dirty="0" err="1" smtClean="0">
+                <a:latin typeface="Georgia" panose="02040502050405020303" pitchFamily="18" charset="0"/>
+              </a:rPr>
+              <a:t>before</a:t>
+            </a:r>
+            <a:r>
+              <a:rPr lang="it-IT" sz="1300" dirty="0" smtClean="0">
+                <a:latin typeface="Georgia" panose="02040502050405020303" pitchFamily="18" charset="0"/>
+              </a:rPr>
+              <a:t> the </a:t>
+            </a:r>
+            <a:r>
+              <a:rPr lang="it-IT" sz="1300" dirty="0" err="1" smtClean="0">
+                <a:latin typeface="Georgia" panose="02040502050405020303" pitchFamily="18" charset="0"/>
+              </a:rPr>
+              <a:t>established</a:t>
+            </a:r>
+            <a:r>
+              <a:rPr lang="it-IT" sz="1300" dirty="0" smtClean="0">
+                <a:latin typeface="Georgia" panose="02040502050405020303" pitchFamily="18" charset="0"/>
+              </a:rPr>
+              <a:t> time.</a:t>
+            </a:r>
+          </a:p>
+          <a:p>
+            <a:pPr marL="285750" indent="-285750">
+              <a:buFont typeface="Arial" panose="020B0604020202020204" pitchFamily="34" charset="0"/>
+              <a:buChar char="•"/>
+            </a:pPr>
+            <a:endParaRPr lang="it-IT" sz="1300" dirty="0">
+              <a:latin typeface="Georgia" panose="02040502050405020303" pitchFamily="18" charset="0"/>
+            </a:endParaRPr>
+          </a:p>
+          <a:p>
+            <a:pPr marL="285750" indent="-285750">
+              <a:buFont typeface="Arial" panose="020B0604020202020204" pitchFamily="34" charset="0"/>
+              <a:buChar char="•"/>
+            </a:pPr>
+            <a:r>
+              <a:rPr lang="it-IT" sz="1300" dirty="0" err="1" smtClean="0">
+                <a:latin typeface="Georgia" panose="02040502050405020303" pitchFamily="18" charset="0"/>
+              </a:rPr>
+              <a:t>During</a:t>
+            </a:r>
+            <a:r>
+              <a:rPr lang="it-IT" sz="1300" dirty="0" smtClean="0">
+                <a:latin typeface="Georgia" panose="02040502050405020303" pitchFamily="18" charset="0"/>
+              </a:rPr>
+              <a:t> </a:t>
+            </a:r>
+            <a:r>
+              <a:rPr lang="it-IT" sz="1300" dirty="0" err="1" smtClean="0">
+                <a:latin typeface="Georgia" panose="02040502050405020303" pitchFamily="18" charset="0"/>
+              </a:rPr>
+              <a:t>that</a:t>
+            </a:r>
+            <a:r>
+              <a:rPr lang="it-IT" sz="1300" dirty="0" smtClean="0">
+                <a:latin typeface="Georgia" panose="02040502050405020303" pitchFamily="18" charset="0"/>
+              </a:rPr>
+              <a:t> </a:t>
+            </a:r>
+            <a:r>
+              <a:rPr lang="it-IT" sz="1300" dirty="0" err="1" smtClean="0">
+                <a:latin typeface="Georgia" panose="02040502050405020303" pitchFamily="18" charset="0"/>
+              </a:rPr>
+              <a:t>arbitrarily</a:t>
+            </a:r>
+            <a:r>
+              <a:rPr lang="it-IT" sz="1300" dirty="0" smtClean="0">
+                <a:latin typeface="Georgia" panose="02040502050405020303" pitchFamily="18" charset="0"/>
+              </a:rPr>
+              <a:t> long time the </a:t>
+            </a:r>
+            <a:r>
+              <a:rPr lang="it-IT" sz="1300" dirty="0" err="1" smtClean="0">
+                <a:latin typeface="Georgia" panose="02040502050405020303" pitchFamily="18" charset="0"/>
+              </a:rPr>
+              <a:t>reservation’s</a:t>
+            </a:r>
+            <a:r>
+              <a:rPr lang="it-IT" sz="1300" dirty="0" smtClean="0">
+                <a:latin typeface="Georgia" panose="02040502050405020303" pitchFamily="18" charset="0"/>
+              </a:rPr>
+              <a:t> state </a:t>
+            </a:r>
+            <a:r>
+              <a:rPr lang="it-IT" sz="1300" dirty="0" err="1" smtClean="0">
+                <a:latin typeface="Georgia" panose="02040502050405020303" pitchFamily="18" charset="0"/>
+              </a:rPr>
+              <a:t>is</a:t>
+            </a:r>
+            <a:r>
+              <a:rPr lang="it-IT" sz="1300" dirty="0" smtClean="0">
+                <a:latin typeface="Georgia" panose="02040502050405020303" pitchFamily="18" charset="0"/>
+              </a:rPr>
+              <a:t> </a:t>
+            </a:r>
+            <a:r>
+              <a:rPr lang="it-IT" sz="1300" i="1" dirty="0" err="1" smtClean="0">
+                <a:solidFill>
+                  <a:srgbClr val="FF0000"/>
+                </a:solidFill>
+                <a:latin typeface="Georgia" panose="02040502050405020303" pitchFamily="18" charset="0"/>
+              </a:rPr>
+              <a:t>NotAssigned</a:t>
+            </a:r>
+            <a:r>
+              <a:rPr lang="it-IT" sz="1300" i="1" dirty="0">
+                <a:latin typeface="Georgia" panose="02040502050405020303" pitchFamily="18" charset="0"/>
+              </a:rPr>
+              <a:t>.</a:t>
+            </a:r>
+            <a:endParaRPr lang="it-IT" sz="1300" i="1" dirty="0" smtClean="0">
+              <a:solidFill>
+                <a:srgbClr val="FF0000"/>
+              </a:solidFill>
+              <a:latin typeface="Georgia" panose="02040502050405020303" pitchFamily="18" charset="0"/>
+            </a:endParaRPr>
+          </a:p>
+          <a:p>
+            <a:pPr marL="285750" indent="-285750">
+              <a:buFont typeface="Arial" panose="020B0604020202020204" pitchFamily="34" charset="0"/>
+              <a:buChar char="•"/>
+            </a:pPr>
+            <a:endParaRPr lang="it-IT" sz="1300" i="1" dirty="0">
+              <a:solidFill>
+                <a:srgbClr val="FF0000"/>
+              </a:solidFill>
+              <a:latin typeface="Georgia" panose="02040502050405020303" pitchFamily="18" charset="0"/>
+            </a:endParaRPr>
+          </a:p>
+          <a:p>
+            <a:pPr marL="285750" indent="-285750">
+              <a:buFont typeface="Arial" panose="020B0604020202020204" pitchFamily="34" charset="0"/>
+              <a:buChar char="•"/>
+            </a:pPr>
+            <a:r>
+              <a:rPr lang="it-IT" sz="1300" dirty="0" err="1" smtClean="0">
+                <a:latin typeface="Georgia" panose="02040502050405020303" pitchFamily="18" charset="0"/>
+              </a:rPr>
+              <a:t>All</a:t>
+            </a:r>
+            <a:r>
+              <a:rPr lang="it-IT" sz="1300" dirty="0" smtClean="0">
+                <a:latin typeface="Georgia" panose="02040502050405020303" pitchFamily="18" charset="0"/>
+              </a:rPr>
+              <a:t> the </a:t>
+            </a:r>
+            <a:r>
+              <a:rPr lang="it-IT" sz="1300" dirty="0" err="1" smtClean="0">
+                <a:latin typeface="Georgia" panose="02040502050405020303" pitchFamily="18" charset="0"/>
+              </a:rPr>
+              <a:t>other</a:t>
+            </a:r>
+            <a:r>
+              <a:rPr lang="it-IT" sz="1300" dirty="0" smtClean="0">
+                <a:latin typeface="Georgia" panose="02040502050405020303" pitchFamily="18" charset="0"/>
+              </a:rPr>
+              <a:t> </a:t>
+            </a:r>
+            <a:r>
+              <a:rPr lang="it-IT" sz="1300" dirty="0" err="1" smtClean="0">
+                <a:latin typeface="Georgia" panose="02040502050405020303" pitchFamily="18" charset="0"/>
+              </a:rPr>
+              <a:t>steps</a:t>
+            </a:r>
+            <a:r>
+              <a:rPr lang="it-IT" sz="1300" dirty="0" smtClean="0">
+                <a:latin typeface="Georgia" panose="02040502050405020303" pitchFamily="18" charset="0"/>
+              </a:rPr>
+              <a:t> and </a:t>
+            </a:r>
+            <a:r>
+              <a:rPr lang="it-IT" sz="1300" dirty="0" err="1" smtClean="0">
+                <a:latin typeface="Georgia" panose="02040502050405020303" pitchFamily="18" charset="0"/>
+              </a:rPr>
+              <a:t>ride’s</a:t>
+            </a:r>
+            <a:r>
+              <a:rPr lang="it-IT" sz="1300" dirty="0" smtClean="0">
+                <a:latin typeface="Georgia" panose="02040502050405020303" pitchFamily="18" charset="0"/>
+              </a:rPr>
+              <a:t> </a:t>
+            </a:r>
+            <a:r>
+              <a:rPr lang="it-IT" sz="1300" dirty="0" err="1" smtClean="0">
+                <a:latin typeface="Georgia" panose="02040502050405020303" pitchFamily="18" charset="0"/>
+              </a:rPr>
+              <a:t>states</a:t>
+            </a:r>
+            <a:r>
+              <a:rPr lang="it-IT" sz="1300" dirty="0" smtClean="0">
+                <a:latin typeface="Georgia" panose="02040502050405020303" pitchFamily="18" charset="0"/>
+              </a:rPr>
+              <a:t> are </a:t>
+            </a:r>
+            <a:r>
+              <a:rPr lang="it-IT" sz="1300" dirty="0" err="1" smtClean="0">
+                <a:latin typeface="Georgia" panose="02040502050405020303" pitchFamily="18" charset="0"/>
+              </a:rPr>
+              <a:t>basically</a:t>
+            </a:r>
+            <a:r>
+              <a:rPr lang="it-IT" sz="1300" dirty="0" smtClean="0">
+                <a:latin typeface="Georgia" panose="02040502050405020303" pitchFamily="18" charset="0"/>
+              </a:rPr>
+              <a:t> the </a:t>
+            </a:r>
+            <a:r>
+              <a:rPr lang="it-IT" sz="1300" dirty="0" err="1" smtClean="0">
+                <a:latin typeface="Georgia" panose="02040502050405020303" pitchFamily="18" charset="0"/>
+              </a:rPr>
+              <a:t>same</a:t>
+            </a:r>
+            <a:r>
+              <a:rPr lang="it-IT" sz="1300" dirty="0" smtClean="0">
+                <a:latin typeface="Georgia" panose="02040502050405020303" pitchFamily="18" charset="0"/>
+              </a:rPr>
+              <a:t> </a:t>
+            </a:r>
+            <a:r>
+              <a:rPr lang="it-IT" sz="1300" dirty="0" err="1" smtClean="0">
+                <a:latin typeface="Georgia" panose="02040502050405020303" pitchFamily="18" charset="0"/>
+              </a:rPr>
+              <a:t>as</a:t>
+            </a:r>
+            <a:r>
+              <a:rPr lang="it-IT" sz="1300" dirty="0" smtClean="0">
+                <a:latin typeface="Georgia" panose="02040502050405020303" pitchFamily="18" charset="0"/>
+              </a:rPr>
+              <a:t> in the </a:t>
+            </a:r>
+            <a:r>
+              <a:rPr lang="it-IT" sz="1300" dirty="0" err="1" smtClean="0">
+                <a:latin typeface="Georgia" panose="02040502050405020303" pitchFamily="18" charset="0"/>
+              </a:rPr>
+              <a:t>request’s</a:t>
+            </a:r>
+            <a:r>
+              <a:rPr lang="it-IT" sz="1300" dirty="0" smtClean="0">
+                <a:latin typeface="Georgia" panose="02040502050405020303" pitchFamily="18" charset="0"/>
+              </a:rPr>
+              <a:t> </a:t>
+            </a:r>
+            <a:r>
+              <a:rPr lang="it-IT" sz="1300" dirty="0" err="1" smtClean="0">
+                <a:latin typeface="Georgia" panose="02040502050405020303" pitchFamily="18" charset="0"/>
+              </a:rPr>
+              <a:t>event</a:t>
+            </a:r>
+            <a:r>
+              <a:rPr lang="it-IT" sz="1300" dirty="0" smtClean="0">
+                <a:latin typeface="Georgia" panose="02040502050405020303" pitchFamily="18" charset="0"/>
+              </a:rPr>
+              <a:t> flow.</a:t>
+            </a:r>
+            <a:endParaRPr lang="it-IT" sz="1300" dirty="0">
+              <a:latin typeface="Georgia" panose="02040502050405020303" pitchFamily="18" charset="0"/>
+            </a:endParaRPr>
+          </a:p>
+        </p:txBody>
+      </p:sp>
+    </p:spTree>
+    <p:extLst>
+      <p:ext uri="{BB962C8B-B14F-4D97-AF65-F5344CB8AC3E}">
+        <p14:creationId xmlns:p14="http://schemas.microsoft.com/office/powerpoint/2010/main" val="1281599085"/>
+      </p:ext>
+    </p:extLst>
+  </p:cSld>
+  <p:clrMapOvr>
+    <a:masterClrMapping/>
+  </p:clrMapOvr>
+  <p:timing>
+    <p:tnLst>
+      <p:par>
+        <p:cTn id="1" dur="indefinite" restart="never" nodeType="tmRoot">
+          <p:childTnLst>
+            <p:seq concurrent="1" nextAc="seek">
+              <p:cTn id="2" dur="indefinite" nodeType="mainSeq">
+                <p:childTnLst>
+                  <p:par>
+                    <p:cTn id="3" fill="hold">
+                      <p:stCondLst>
+                        <p:cond delay="indefinite"/>
+                      </p:stCondLst>
+                      <p:childTnLst>
+                        <p:par>
+                          <p:cTn id="4" fill="hold">
+                            <p:stCondLst>
+                              <p:cond delay="0"/>
+                            </p:stCondLst>
+                            <p:childTnLst>
+                              <p:par>
+                                <p:cTn id="5" presetID="53" presetClass="entr" presetSubtype="16" fill="hold" nodeType="clickEffect">
+                                  <p:stCondLst>
+                                    <p:cond delay="0"/>
+                                  </p:stCondLst>
+                                  <p:childTnLst>
+                                    <p:set>
+                                      <p:cBhvr>
+                                        <p:cTn id="6" dur="1" fill="hold">
+                                          <p:stCondLst>
+                                            <p:cond delay="0"/>
+                                          </p:stCondLst>
+                                        </p:cTn>
+                                        <p:tgtEl>
+                                          <p:spTgt spid="7"/>
+                                        </p:tgtEl>
+                                        <p:attrNameLst>
+                                          <p:attrName>style.visibility</p:attrName>
+                                        </p:attrNameLst>
+                                      </p:cBhvr>
+                                      <p:to>
+                                        <p:strVal val="visible"/>
+                                      </p:to>
+                                    </p:set>
+                                    <p:anim calcmode="lin" valueType="num">
+                                      <p:cBhvr>
+                                        <p:cTn id="7" dur="500" fill="hold"/>
+                                        <p:tgtEl>
+                                          <p:spTgt spid="7"/>
+                                        </p:tgtEl>
+                                        <p:attrNameLst>
+                                          <p:attrName>ppt_w</p:attrName>
+                                        </p:attrNameLst>
+                                      </p:cBhvr>
+                                      <p:tavLst>
+                                        <p:tav tm="0">
+                                          <p:val>
+                                            <p:fltVal val="0"/>
+                                          </p:val>
+                                        </p:tav>
+                                        <p:tav tm="100000">
+                                          <p:val>
+                                            <p:strVal val="#ppt_w"/>
+                                          </p:val>
+                                        </p:tav>
+                                      </p:tavLst>
+                                    </p:anim>
+                                    <p:anim calcmode="lin" valueType="num">
+                                      <p:cBhvr>
+                                        <p:cTn id="8" dur="500" fill="hold"/>
+                                        <p:tgtEl>
+                                          <p:spTgt spid="7"/>
+                                        </p:tgtEl>
+                                        <p:attrNameLst>
+                                          <p:attrName>ppt_h</p:attrName>
+                                        </p:attrNameLst>
+                                      </p:cBhvr>
+                                      <p:tavLst>
+                                        <p:tav tm="0">
+                                          <p:val>
+                                            <p:fltVal val="0"/>
+                                          </p:val>
+                                        </p:tav>
+                                        <p:tav tm="100000">
+                                          <p:val>
+                                            <p:strVal val="#ppt_h"/>
+                                          </p:val>
+                                        </p:tav>
+                                      </p:tavLst>
+                                    </p:anim>
+                                    <p:animEffect transition="in" filter="fade">
+                                      <p:cBhvr>
+                                        <p:cTn id="9" dur="500"/>
+                                        <p:tgtEl>
+                                          <p:spTgt spid="7"/>
+                                        </p:tgtEl>
+                                      </p:cBhvr>
+                                    </p:animEffect>
+                                  </p:childTnLst>
+                                </p:cTn>
+                              </p:par>
+                            </p:childTnLst>
+                          </p:cTn>
+                        </p:par>
+                      </p:childTnLst>
+                    </p:cTn>
+                  </p:par>
+                  <p:par>
+                    <p:cTn id="10" fill="hold">
+                      <p:stCondLst>
+                        <p:cond delay="indefinite"/>
+                      </p:stCondLst>
+                      <p:childTnLst>
+                        <p:par>
+                          <p:cTn id="11" fill="hold">
+                            <p:stCondLst>
+                              <p:cond delay="0"/>
+                            </p:stCondLst>
+                            <p:childTnLst>
+                              <p:par>
+                                <p:cTn id="12" presetID="10" presetClass="entr" presetSubtype="0" fill="hold" nodeType="clickEffect">
+                                  <p:stCondLst>
+                                    <p:cond delay="0"/>
+                                  </p:stCondLst>
+                                  <p:childTnLst>
+                                    <p:set>
+                                      <p:cBhvr>
+                                        <p:cTn id="13" dur="1" fill="hold">
+                                          <p:stCondLst>
+                                            <p:cond delay="0"/>
+                                          </p:stCondLst>
+                                        </p:cTn>
+                                        <p:tgtEl>
+                                          <p:spTgt spid="6">
+                                            <p:txEl>
+                                              <p:pRg st="0" end="0"/>
+                                            </p:txEl>
+                                          </p:spTgt>
+                                        </p:tgtEl>
+                                        <p:attrNameLst>
+                                          <p:attrName>style.visibility</p:attrName>
+                                        </p:attrNameLst>
+                                      </p:cBhvr>
+                                      <p:to>
+                                        <p:strVal val="visible"/>
+                                      </p:to>
+                                    </p:set>
+                                    <p:animEffect transition="in" filter="fade">
+                                      <p:cBhvr>
+                                        <p:cTn id="14" dur="500"/>
+                                        <p:tgtEl>
+                                          <p:spTgt spid="6">
+                                            <p:txEl>
+                                              <p:pRg st="0" end="0"/>
+                                            </p:txEl>
+                                          </p:spTgt>
+                                        </p:tgtEl>
+                                      </p:cBhvr>
+                                    </p:animEffect>
+                                  </p:childTnLst>
+                                </p:cTn>
+                              </p:par>
+                            </p:childTnLst>
+                          </p:cTn>
+                        </p:par>
+                      </p:childTnLst>
+                    </p:cTn>
+                  </p:par>
+                  <p:par>
+                    <p:cTn id="15" fill="hold">
+                      <p:stCondLst>
+                        <p:cond delay="indefinite"/>
+                      </p:stCondLst>
+                      <p:childTnLst>
+                        <p:par>
+                          <p:cTn id="16" fill="hold">
+                            <p:stCondLst>
+                              <p:cond delay="0"/>
+                            </p:stCondLst>
+                            <p:childTnLst>
+                              <p:par>
+                                <p:cTn id="17" presetID="10" presetClass="entr" presetSubtype="0" fill="hold" nodeType="clickEffect">
+                                  <p:stCondLst>
+                                    <p:cond delay="0"/>
+                                  </p:stCondLst>
+                                  <p:childTnLst>
+                                    <p:set>
+                                      <p:cBhvr>
+                                        <p:cTn id="18" dur="1" fill="hold">
+                                          <p:stCondLst>
+                                            <p:cond delay="0"/>
+                                          </p:stCondLst>
+                                        </p:cTn>
+                                        <p:tgtEl>
+                                          <p:spTgt spid="6">
+                                            <p:txEl>
+                                              <p:pRg st="2" end="2"/>
+                                            </p:txEl>
+                                          </p:spTgt>
+                                        </p:tgtEl>
+                                        <p:attrNameLst>
+                                          <p:attrName>style.visibility</p:attrName>
+                                        </p:attrNameLst>
+                                      </p:cBhvr>
+                                      <p:to>
+                                        <p:strVal val="visible"/>
+                                      </p:to>
+                                    </p:set>
+                                    <p:animEffect transition="in" filter="fade">
+                                      <p:cBhvr>
+                                        <p:cTn id="19" dur="500"/>
+                                        <p:tgtEl>
+                                          <p:spTgt spid="6">
+                                            <p:txEl>
+                                              <p:pRg st="2" end="2"/>
+                                            </p:txEl>
+                                          </p:spTgt>
+                                        </p:tgtEl>
+                                      </p:cBhvr>
+                                    </p:animEffect>
+                                  </p:childTnLst>
+                                </p:cTn>
+                              </p:par>
+                            </p:childTnLst>
+                          </p:cTn>
+                        </p:par>
+                      </p:childTnLst>
+                    </p:cTn>
+                  </p:par>
+                  <p:par>
+                    <p:cTn id="20" fill="hold">
+                      <p:stCondLst>
+                        <p:cond delay="indefinite"/>
+                      </p:stCondLst>
+                      <p:childTnLst>
+                        <p:par>
+                          <p:cTn id="21" fill="hold">
+                            <p:stCondLst>
+                              <p:cond delay="0"/>
+                            </p:stCondLst>
+                            <p:childTnLst>
+                              <p:par>
+                                <p:cTn id="22" presetID="10" presetClass="entr" presetSubtype="0" fill="hold" nodeType="clickEffect">
+                                  <p:stCondLst>
+                                    <p:cond delay="0"/>
+                                  </p:stCondLst>
+                                  <p:childTnLst>
+                                    <p:set>
+                                      <p:cBhvr>
+                                        <p:cTn id="23" dur="1" fill="hold">
+                                          <p:stCondLst>
+                                            <p:cond delay="0"/>
+                                          </p:stCondLst>
+                                        </p:cTn>
+                                        <p:tgtEl>
+                                          <p:spTgt spid="6">
+                                            <p:txEl>
+                                              <p:pRg st="4" end="4"/>
+                                            </p:txEl>
+                                          </p:spTgt>
+                                        </p:tgtEl>
+                                        <p:attrNameLst>
+                                          <p:attrName>style.visibility</p:attrName>
+                                        </p:attrNameLst>
+                                      </p:cBhvr>
+                                      <p:to>
+                                        <p:strVal val="visible"/>
+                                      </p:to>
+                                    </p:set>
+                                    <p:animEffect transition="in" filter="fade">
+                                      <p:cBhvr>
+                                        <p:cTn id="24" dur="500"/>
+                                        <p:tgtEl>
+                                          <p:spTgt spid="6">
+                                            <p:txEl>
+                                              <p:pRg st="4" end="4"/>
+                                            </p:txEl>
+                                          </p:spTgt>
+                                        </p:tgtEl>
+                                      </p:cBhvr>
+                                    </p:animEffect>
+                                  </p:childTnLst>
+                                </p:cTn>
+                              </p:par>
+                            </p:childTnLst>
+                          </p:cTn>
+                        </p:par>
+                      </p:childTnLst>
+                    </p:cTn>
+                  </p:par>
+                </p:childTnLst>
+              </p:cTn>
+              <p:prevCondLst>
+                <p:cond evt="onPrev" delay="0">
+                  <p:tgtEl>
+                    <p:sldTgt/>
+                  </p:tgtEl>
+                </p:cond>
+              </p:prevCondLst>
+              <p:nextCondLst>
+                <p:cond evt="onNext" delay="0">
+                  <p:tgtEl>
+                    <p:sldTgt/>
+                  </p:tgtEl>
+                </p:cond>
+              </p:nextCondLst>
+            </p:seq>
+          </p:childTnLst>
+        </p:cTn>
+      </p:par>
+    </p:tnLst>
+  </p:timing>
+</p:sld>
+</file>
+
+<file path=ppt/slides/slide5.xml><?xml version="1.0" encoding="utf-8"?>
+<p:sld xmlns:a="http://schemas.openxmlformats.org/drawingml/2006/main" xmlns:r="http://schemas.openxmlformats.org/officeDocument/2006/relationships" xmlns:p="http://schemas.openxmlformats.org/presentationml/2006/main">
+  <p:cSld>
+    <p:spTree>
+      <p:nvGrpSpPr>
+        <p:cNvPr id="1" name=""/>
+        <p:cNvGrpSpPr/>
+        <p:nvPr/>
+      </p:nvGrpSpPr>
+      <p:grpSpPr>
+        <a:xfrm>
+          <a:off x="0" y="0"/>
+          <a:ext cx="0" cy="0"/>
+          <a:chOff x="0" y="0"/>
+          <a:chExt cx="0" cy="0"/>
+        </a:xfrm>
+      </p:grpSpPr>
+      <p:sp>
+        <p:nvSpPr>
           <p:cNvPr id="5" name="Titolo 4"/>
           <p:cNvSpPr>
             <a:spLocks noGrp="1"/>
@@ -5441,7 +7279,7 @@
 </p:sld>
 </file>
 
-<file path=ppt/slides/slide4.xml><?xml version="1.0" encoding="utf-8"?>
+<file path=ppt/slides/slide6.xml><?xml version="1.0" encoding="utf-8"?>
 <p:sld xmlns:a="http://schemas.openxmlformats.org/drawingml/2006/main" xmlns:r="http://schemas.openxmlformats.org/officeDocument/2006/relationships" xmlns:p="http://schemas.openxmlformats.org/presentationml/2006/main">
   <p:cSld>
     <p:spTree>
@@ -5468,15 +7306,10 @@
             <p:ph type="title"/>
           </p:nvPr>
         </p:nvSpPr>
-        <p:spPr>
-          <a:xfrm>
-            <a:off x="1691680" y="260648"/>
-            <a:ext cx="5486400" cy="566738"/>
-          </a:xfrm>
-        </p:spPr>
+        <p:spPr/>
         <p:txBody>
           <a:bodyPr>
-            <a:normAutofit fontScale="90000"/>
+            <a:normAutofit/>
           </a:bodyPr>
           <a:lstStyle/>
           <a:p>
@@ -5485,26 +7318,13 @@
               <a:rPr lang="it-IT" sz="3600" b="0" dirty="0" smtClean="0">
                 <a:latin typeface="Georgia" panose="02040502050405020303" pitchFamily="18" charset="0"/>
               </a:rPr>
-              <a:t>Use Cases </a:t>
-            </a:r>
-            <a:r>
-              <a:rPr lang="it-IT" sz="3100" b="0" dirty="0" smtClean="0">
-                <a:latin typeface="Georgia" panose="02040502050405020303" pitchFamily="18" charset="0"/>
-              </a:rPr>
-              <a:t>– </a:t>
-            </a:r>
-            <a:r>
-              <a:rPr lang="it-IT" sz="3100" b="0" i="1" dirty="0" smtClean="0">
-                <a:effectLst>
-                  <a:outerShdw blurRad="38100" dist="38100" dir="2700000" algn="tl">
-                    <a:srgbClr val="000000">
-                      <a:alpha val="43137"/>
-                    </a:srgbClr>
-                  </a:outerShdw>
-                </a:effectLst>
-                <a:latin typeface="Georgia" panose="02040502050405020303" pitchFamily="18" charset="0"/>
-              </a:rPr>
-              <a:t>Delete a Ride</a:t>
+              <a:t>Use </a:t>
+            </a:r>
+            <a:r>
+              <a:rPr lang="it-IT" sz="3600" b="0" dirty="0" smtClean="0">
+                <a:latin typeface="Georgia" panose="02040502050405020303" pitchFamily="18" charset="0"/>
+              </a:rPr>
+              <a:t>Cases</a:t>
             </a:r>
             <a:endParaRPr lang="it-IT" sz="3100" b="0" i="1" dirty="0">
               <a:effectLst>
@@ -5519,14 +7339,109 @@
           </a:p>
         </p:txBody>
       </p:sp>
+      <p:sp>
+        <p:nvSpPr>
+          <p:cNvPr id="9" name="Segnaposto testo 8"/>
+          <p:cNvSpPr>
+            <a:spLocks noGrp="1"/>
+          </p:cNvSpPr>
+          <p:nvPr>
+            <p:ph type="body" idx="1"/>
+          </p:nvPr>
+        </p:nvSpPr>
+        <p:spPr>
+          <a:xfrm>
+            <a:off x="459804" y="1340768"/>
+            <a:ext cx="4040188" cy="639762"/>
+          </a:xfrm>
+        </p:spPr>
+        <p:txBody>
+          <a:bodyPr>
+            <a:normAutofit/>
+          </a:bodyPr>
+          <a:lstStyle/>
+          <a:p>
+            <a:pPr algn="ctr"/>
+            <a:r>
+              <a:rPr lang="it-IT" b="0" dirty="0" smtClean="0">
+                <a:latin typeface="Georgia" panose="02040502050405020303" pitchFamily="18" charset="0"/>
+              </a:rPr>
+              <a:t> </a:t>
+            </a:r>
+            <a:r>
+              <a:rPr lang="it-IT" b="0" i="1" dirty="0">
+                <a:effectLst>
+                  <a:outerShdw blurRad="38100" dist="38100" dir="2700000" algn="tl">
+                    <a:srgbClr val="000000">
+                      <a:alpha val="43137"/>
+                    </a:srgbClr>
+                  </a:outerShdw>
+                </a:effectLst>
+                <a:latin typeface="Georgia" panose="02040502050405020303" pitchFamily="18" charset="0"/>
+              </a:rPr>
+              <a:t>Delete a Ride</a:t>
+            </a:r>
+            <a:endParaRPr lang="it-IT" b="0" dirty="0">
+              <a:latin typeface="Georgia" panose="02040502050405020303" pitchFamily="18" charset="0"/>
+            </a:endParaRPr>
+          </a:p>
+        </p:txBody>
+      </p:sp>
+      <p:sp>
+        <p:nvSpPr>
+          <p:cNvPr id="2" name="Segnaposto testo 1"/>
+          <p:cNvSpPr>
+            <a:spLocks noGrp="1"/>
+          </p:cNvSpPr>
+          <p:nvPr>
+            <p:ph type="body" sz="quarter" idx="3"/>
+          </p:nvPr>
+        </p:nvSpPr>
+        <p:spPr>
+          <a:xfrm>
+            <a:off x="4644008" y="1340768"/>
+            <a:ext cx="4041775" cy="639762"/>
+          </a:xfrm>
+        </p:spPr>
+        <p:txBody>
+          <a:bodyPr/>
+          <a:lstStyle/>
+          <a:p>
+            <a:pPr algn="ctr"/>
+            <a:r>
+              <a:rPr lang="it-IT" b="0" i="1" dirty="0" err="1" smtClean="0">
+                <a:effectLst>
+                  <a:outerShdw blurRad="38100" dist="38100" dir="2700000" algn="tl">
+                    <a:srgbClr val="000000">
+                      <a:alpha val="43137"/>
+                    </a:srgbClr>
+                  </a:outerShdw>
+                </a:effectLst>
+                <a:latin typeface="Georgia" panose="02040502050405020303" pitchFamily="18" charset="0"/>
+              </a:rPr>
+              <a:t>History</a:t>
+            </a:r>
+            <a:endParaRPr lang="it-IT" b="0" i="1" dirty="0">
+              <a:effectLst>
+                <a:outerShdw blurRad="38100" dist="38100" dir="2700000" algn="tl">
+                  <a:srgbClr val="000000">
+                    <a:alpha val="43137"/>
+                  </a:srgbClr>
+                </a:outerShdw>
+              </a:effectLst>
+              <a:latin typeface="Georgia" panose="02040502050405020303" pitchFamily="18" charset="0"/>
+            </a:endParaRPr>
+          </a:p>
+        </p:txBody>
+      </p:sp>
       <p:pic>
         <p:nvPicPr>
-          <p:cNvPr id="10" name="Segnaposto immagine 9"/>
+          <p:cNvPr id="11" name="Segnaposto contenuto 10"/>
           <p:cNvPicPr>
             <a:picLocks noGrp="1" noChangeAspect="1"/>
           </p:cNvPicPr>
           <p:nvPr>
-            <p:ph type="pic" idx="1"/>
+            <p:ph sz="quarter" idx="4"/>
           </p:nvPr>
         </p:nvPicPr>
         <p:blipFill>
@@ -5537,204 +7452,257 @@
               </a:ext>
             </a:extLst>
           </a:blip>
-          <a:srcRect t="2381" b="2381"/>
           <a:stretch>
             <a:fillRect/>
           </a:stretch>
         </p:blipFill>
         <p:spPr>
           <a:xfrm>
-            <a:off x="1763713" y="1052513"/>
-            <a:ext cx="5486400" cy="4114800"/>
+            <a:off x="4645025" y="2204864"/>
+            <a:ext cx="4041775" cy="3888432"/>
+          </a:xfrm>
+        </p:spPr>
+      </p:pic>
+      <p:pic>
+        <p:nvPicPr>
+          <p:cNvPr id="5" name="Segnaposto contenuto 4"/>
+          <p:cNvPicPr>
+            <a:picLocks noGrp="1" noChangeAspect="1"/>
+          </p:cNvPicPr>
+          <p:nvPr>
+            <p:ph sz="half" idx="2"/>
+          </p:nvPr>
+        </p:nvPicPr>
+        <p:blipFill>
+          <a:blip r:embed="rId3">
+            <a:extLst>
+              <a:ext uri="{28A0092B-C50C-407E-A947-70E740481C1C}">
+                <a14:useLocalDpi xmlns:a14="http://schemas.microsoft.com/office/drawing/2010/main" val="0"/>
+              </a:ext>
+            </a:extLst>
+          </a:blip>
+          <a:stretch>
+            <a:fillRect/>
+          </a:stretch>
+        </p:blipFill>
+        <p:spPr>
+          <a:xfrm>
+            <a:off x="448269" y="2204864"/>
+            <a:ext cx="4040188" cy="3391881"/>
           </a:xfrm>
         </p:spPr>
       </p:pic>
       <p:sp>
         <p:nvSpPr>
-          <p:cNvPr id="9" name="Segnaposto testo 8"/>
-          <p:cNvSpPr>
-            <a:spLocks noGrp="1"/>
-          </p:cNvSpPr>
-          <p:nvPr>
-            <p:ph type="body" sz="half" idx="2"/>
-          </p:nvPr>
+          <p:cNvPr id="8" name="CasellaDiTesto 7"/>
+          <p:cNvSpPr txBox="1"/>
+          <p:nvPr/>
         </p:nvSpPr>
-        <p:spPr/>
+        <p:spPr>
+          <a:xfrm>
+            <a:off x="395536" y="5517232"/>
+            <a:ext cx="4248472" cy="1015663"/>
+          </a:xfrm>
+          <a:prstGeom prst="rect">
+            <a:avLst/>
+          </a:prstGeom>
+          <a:noFill/>
+        </p:spPr>
         <p:txBody>
-          <a:bodyPr/>
+          <a:bodyPr wrap="square" rtlCol="0">
+            <a:spAutoFit/>
+          </a:bodyPr>
           <a:lstStyle/>
           <a:p>
             <a:r>
-              <a:rPr lang="it-IT" dirty="0" err="1" smtClean="0">
+              <a:rPr lang="it-IT" sz="1400" dirty="0" err="1">
                 <a:latin typeface="Georgia" panose="02040502050405020303" pitchFamily="18" charset="0"/>
               </a:rPr>
               <a:t>Rides</a:t>
             </a:r>
             <a:r>
-              <a:rPr lang="it-IT" dirty="0" smtClean="0">
+              <a:rPr lang="it-IT" sz="1400" dirty="0">
                 <a:latin typeface="Georgia" panose="02040502050405020303" pitchFamily="18" charset="0"/>
               </a:rPr>
               <a:t>, </a:t>
             </a:r>
             <a:r>
-              <a:rPr lang="it-IT" dirty="0" err="1" smtClean="0">
+              <a:rPr lang="it-IT" sz="1400" dirty="0" err="1">
                 <a:latin typeface="Georgia" panose="02040502050405020303" pitchFamily="18" charset="0"/>
               </a:rPr>
               <a:t>either</a:t>
             </a:r>
             <a:r>
-              <a:rPr lang="it-IT" dirty="0" smtClean="0">
+              <a:rPr lang="it-IT" sz="1400" dirty="0">
                 <a:latin typeface="Georgia" panose="02040502050405020303" pitchFamily="18" charset="0"/>
               </a:rPr>
               <a:t> </a:t>
             </a:r>
             <a:r>
-              <a:rPr lang="it-IT" dirty="0" err="1" smtClean="0">
+              <a:rPr lang="it-IT" sz="1400" dirty="0" err="1">
                 <a:latin typeface="Georgia" panose="02040502050405020303" pitchFamily="18" charset="0"/>
               </a:rPr>
               <a:t>requests</a:t>
             </a:r>
             <a:r>
-              <a:rPr lang="it-IT" dirty="0" smtClean="0">
+              <a:rPr lang="it-IT" sz="1400" dirty="0">
                 <a:latin typeface="Georgia" panose="02040502050405020303" pitchFamily="18" charset="0"/>
               </a:rPr>
               <a:t> or </a:t>
             </a:r>
             <a:r>
-              <a:rPr lang="it-IT" dirty="0" err="1" smtClean="0">
+              <a:rPr lang="it-IT" sz="1400" dirty="0" err="1">
                 <a:latin typeface="Georgia" panose="02040502050405020303" pitchFamily="18" charset="0"/>
               </a:rPr>
               <a:t>reservations</a:t>
             </a:r>
             <a:r>
-              <a:rPr lang="it-IT" dirty="0" smtClean="0">
+              <a:rPr lang="it-IT" sz="1400" dirty="0">
                 <a:latin typeface="Georgia" panose="02040502050405020303" pitchFamily="18" charset="0"/>
               </a:rPr>
               <a:t>, can be </a:t>
             </a:r>
             <a:r>
-              <a:rPr lang="it-IT" dirty="0" err="1" smtClean="0">
+              <a:rPr lang="it-IT" sz="1400" dirty="0" err="1" smtClean="0">
                 <a:latin typeface="Georgia" panose="02040502050405020303" pitchFamily="18" charset="0"/>
               </a:rPr>
               <a:t>deleted</a:t>
             </a:r>
             <a:r>
-              <a:rPr lang="it-IT" dirty="0" smtClean="0">
-                <a:latin typeface="Georgia" panose="02040502050405020303" pitchFamily="18" charset="0"/>
-              </a:rPr>
-              <a:t> by the </a:t>
-            </a:r>
-            <a:r>
-              <a:rPr lang="it-IT" dirty="0" err="1" smtClean="0">
+              <a:rPr lang="it-IT" sz="1400" dirty="0">
+                <a:latin typeface="Georgia" panose="02040502050405020303" pitchFamily="18" charset="0"/>
+              </a:rPr>
+              <a:t> </a:t>
+            </a:r>
+            <a:r>
+              <a:rPr lang="it-IT" sz="1400" dirty="0" smtClean="0">
+                <a:latin typeface="Georgia" panose="02040502050405020303" pitchFamily="18" charset="0"/>
+              </a:rPr>
+              <a:t>by </a:t>
+            </a:r>
+            <a:r>
+              <a:rPr lang="it-IT" sz="1400" dirty="0">
+                <a:latin typeface="Georgia" panose="02040502050405020303" pitchFamily="18" charset="0"/>
+              </a:rPr>
+              <a:t>the </a:t>
+            </a:r>
+            <a:r>
+              <a:rPr lang="it-IT" sz="1400" dirty="0" err="1">
                 <a:latin typeface="Georgia" panose="02040502050405020303" pitchFamily="18" charset="0"/>
               </a:rPr>
               <a:t>customer</a:t>
             </a:r>
             <a:r>
-              <a:rPr lang="it-IT" dirty="0" smtClean="0">
+              <a:rPr lang="it-IT" sz="1400" dirty="0">
                 <a:latin typeface="Georgia" panose="02040502050405020303" pitchFamily="18" charset="0"/>
               </a:rPr>
               <a:t> </a:t>
             </a:r>
             <a:r>
-              <a:rPr lang="it-IT" dirty="0" err="1" smtClean="0">
+              <a:rPr lang="it-IT" sz="1400" dirty="0" err="1">
                 <a:latin typeface="Georgia" panose="02040502050405020303" pitchFamily="18" charset="0"/>
               </a:rPr>
               <a:t>if</a:t>
             </a:r>
             <a:r>
-              <a:rPr lang="it-IT" dirty="0" smtClean="0">
+              <a:rPr lang="it-IT" sz="1400" dirty="0">
                 <a:latin typeface="Georgia" panose="02040502050405020303" pitchFamily="18" charset="0"/>
               </a:rPr>
               <a:t> and </a:t>
             </a:r>
             <a:r>
-              <a:rPr lang="it-IT" dirty="0" err="1" smtClean="0">
+              <a:rPr lang="it-IT" sz="1400" dirty="0" err="1">
                 <a:latin typeface="Georgia" panose="02040502050405020303" pitchFamily="18" charset="0"/>
               </a:rPr>
               <a:t>only</a:t>
             </a:r>
             <a:r>
-              <a:rPr lang="it-IT" dirty="0" smtClean="0">
+              <a:rPr lang="it-IT" sz="1400" dirty="0">
                 <a:latin typeface="Georgia" panose="02040502050405020303" pitchFamily="18" charset="0"/>
               </a:rPr>
               <a:t> </a:t>
             </a:r>
             <a:r>
-              <a:rPr lang="it-IT" dirty="0" err="1" smtClean="0">
+              <a:rPr lang="it-IT" sz="1400" dirty="0" err="1">
                 <a:latin typeface="Georgia" panose="02040502050405020303" pitchFamily="18" charset="0"/>
               </a:rPr>
               <a:t>if</a:t>
             </a:r>
             <a:r>
-              <a:rPr lang="it-IT" dirty="0" smtClean="0">
+              <a:rPr lang="it-IT" sz="1400" dirty="0">
                 <a:latin typeface="Georgia" panose="02040502050405020303" pitchFamily="18" charset="0"/>
               </a:rPr>
               <a:t> the </a:t>
             </a:r>
             <a:r>
-              <a:rPr lang="it-IT" dirty="0" err="1" smtClean="0">
+              <a:rPr lang="it-IT" sz="1400" dirty="0" err="1">
                 <a:latin typeface="Georgia" panose="02040502050405020303" pitchFamily="18" charset="0"/>
               </a:rPr>
               <a:t>system</a:t>
             </a:r>
             <a:r>
-              <a:rPr lang="it-IT" dirty="0" smtClean="0">
+              <a:rPr lang="it-IT" sz="1400" dirty="0">
                 <a:latin typeface="Georgia" panose="02040502050405020303" pitchFamily="18" charset="0"/>
               </a:rPr>
               <a:t> </a:t>
             </a:r>
             <a:r>
-              <a:rPr lang="it-IT" dirty="0" err="1" smtClean="0">
+              <a:rPr lang="it-IT" sz="1400" dirty="0" err="1">
                 <a:latin typeface="Georgia" panose="02040502050405020303" pitchFamily="18" charset="0"/>
               </a:rPr>
               <a:t>hasn’t</a:t>
             </a:r>
             <a:r>
-              <a:rPr lang="it-IT" dirty="0" smtClean="0">
+              <a:rPr lang="it-IT" sz="1400" dirty="0">
                 <a:latin typeface="Georgia" panose="02040502050405020303" pitchFamily="18" charset="0"/>
               </a:rPr>
               <a:t> </a:t>
             </a:r>
             <a:r>
-              <a:rPr lang="it-IT" dirty="0" err="1" smtClean="0">
+              <a:rPr lang="it-IT" sz="1400" dirty="0" err="1" smtClean="0">
                 <a:latin typeface="Georgia" panose="02040502050405020303" pitchFamily="18" charset="0"/>
               </a:rPr>
               <a:t>already</a:t>
             </a:r>
             <a:r>
-              <a:rPr lang="it-IT" dirty="0" smtClean="0">
+              <a:rPr lang="it-IT" sz="1400" dirty="0">
                 <a:latin typeface="Georgia" panose="02040502050405020303" pitchFamily="18" charset="0"/>
               </a:rPr>
               <a:t> </a:t>
             </a:r>
             <a:r>
-              <a:rPr lang="it-IT" dirty="0" err="1" smtClean="0">
+              <a:rPr lang="it-IT" sz="1400" dirty="0" err="1" smtClean="0">
                 <a:latin typeface="Georgia" panose="02040502050405020303" pitchFamily="18" charset="0"/>
               </a:rPr>
               <a:t>assigned</a:t>
             </a:r>
             <a:r>
-              <a:rPr lang="it-IT" dirty="0" smtClean="0">
-                <a:latin typeface="Georgia" panose="02040502050405020303" pitchFamily="18" charset="0"/>
-              </a:rPr>
-              <a:t> a taxi to </a:t>
-            </a:r>
-            <a:r>
-              <a:rPr lang="it-IT" dirty="0" err="1" smtClean="0">
+              <a:rPr lang="it-IT" sz="1400" dirty="0" smtClean="0">
+                <a:latin typeface="Georgia" panose="02040502050405020303" pitchFamily="18" charset="0"/>
+              </a:rPr>
+              <a:t> </a:t>
+            </a:r>
+            <a:r>
+              <a:rPr lang="it-IT" sz="1400" dirty="0">
+                <a:latin typeface="Georgia" panose="02040502050405020303" pitchFamily="18" charset="0"/>
+              </a:rPr>
+              <a:t>a taxi to </a:t>
+            </a:r>
+            <a:r>
+              <a:rPr lang="it-IT" sz="1400" dirty="0" err="1">
                 <a:latin typeface="Georgia" panose="02040502050405020303" pitchFamily="18" charset="0"/>
               </a:rPr>
               <a:t>them</a:t>
             </a:r>
             <a:r>
-              <a:rPr lang="it-IT" dirty="0" smtClean="0">
+              <a:rPr lang="it-IT" sz="1400" dirty="0">
                 <a:latin typeface="Georgia" panose="02040502050405020303" pitchFamily="18" charset="0"/>
               </a:rPr>
               <a:t>.</a:t>
             </a:r>
-            <a:endParaRPr lang="it-IT" dirty="0">
-              <a:latin typeface="Georgia" panose="02040502050405020303" pitchFamily="18" charset="0"/>
-            </a:endParaRPr>
+          </a:p>
+          <a:p>
+            <a:endParaRPr lang="it-IT" dirty="0"/>
           </a:p>
         </p:txBody>
       </p:sp>
@@ -5769,7 +7737,7 @@
                             </p:stCondLst>
                             <p:childTnLst>
                               <p:par>
-                                <p:cTn id="5" presetID="42" presetClass="entr" presetSubtype="0" fill="hold" grpId="0" nodeType="clickEffect">
+                                <p:cTn id="5" presetID="10" presetClass="entr" presetSubtype="0" fill="hold" nodeType="clickEffect">
                                   <p:stCondLst>
                                     <p:cond delay="0"/>
                                   </p:stCondLst>
@@ -5777,204 +7745,6 @@
                                     <p:set>
                                       <p:cBhvr>
                                         <p:cTn id="6" dur="1" fill="hold">
-                                          <p:stCondLst>
-                                            <p:cond delay="0"/>
-                                          </p:stCondLst>
-                                        </p:cTn>
-                                        <p:tgtEl>
-                                          <p:spTgt spid="7"/>
-                                        </p:tgtEl>
-                                        <p:attrNameLst>
-                                          <p:attrName>style.visibility</p:attrName>
-                                        </p:attrNameLst>
-                                      </p:cBhvr>
-                                      <p:to>
-                                        <p:strVal val="visible"/>
-                                      </p:to>
-                                    </p:set>
-                                    <p:animEffect transition="in" filter="fade">
-                                      <p:cBhvr>
-                                        <p:cTn id="7" dur="1000"/>
-                                        <p:tgtEl>
-                                          <p:spTgt spid="7"/>
-                                        </p:tgtEl>
-                                      </p:cBhvr>
-                                    </p:animEffect>
-                                    <p:anim calcmode="lin" valueType="num">
-                                      <p:cBhvr>
-                                        <p:cTn id="8" dur="1000" fill="hold"/>
-                                        <p:tgtEl>
-                                          <p:spTgt spid="7"/>
-                                        </p:tgtEl>
-                                        <p:attrNameLst>
-                                          <p:attrName>ppt_x</p:attrName>
-                                        </p:attrNameLst>
-                                      </p:cBhvr>
-                                      <p:tavLst>
-                                        <p:tav tm="0">
-                                          <p:val>
-                                            <p:strVal val="#ppt_x"/>
-                                          </p:val>
-                                        </p:tav>
-                                        <p:tav tm="100000">
-                                          <p:val>
-                                            <p:strVal val="#ppt_x"/>
-                                          </p:val>
-                                        </p:tav>
-                                      </p:tavLst>
-                                    </p:anim>
-                                    <p:anim calcmode="lin" valueType="num">
-                                      <p:cBhvr>
-                                        <p:cTn id="9" dur="1000" fill="hold"/>
-                                        <p:tgtEl>
-                                          <p:spTgt spid="7"/>
-                                        </p:tgtEl>
-                                        <p:attrNameLst>
-                                          <p:attrName>ppt_y</p:attrName>
-                                        </p:attrNameLst>
-                                      </p:cBhvr>
-                                      <p:tavLst>
-                                        <p:tav tm="0">
-                                          <p:val>
-                                            <p:strVal val="#ppt_y+.1"/>
-                                          </p:val>
-                                        </p:tav>
-                                        <p:tav tm="100000">
-                                          <p:val>
-                                            <p:strVal val="#ppt_y"/>
-                                          </p:val>
-                                        </p:tav>
-                                      </p:tavLst>
-                                    </p:anim>
-                                  </p:childTnLst>
-                                </p:cTn>
-                              </p:par>
-                            </p:childTnLst>
-                          </p:cTn>
-                        </p:par>
-                      </p:childTnLst>
-                    </p:cTn>
-                  </p:par>
-                  <p:par>
-                    <p:cTn id="10" fill="hold">
-                      <p:stCondLst>
-                        <p:cond delay="indefinite"/>
-                      </p:stCondLst>
-                      <p:childTnLst>
-                        <p:par>
-                          <p:cTn id="11" fill="hold">
-                            <p:stCondLst>
-                              <p:cond delay="0"/>
-                            </p:stCondLst>
-                            <p:childTnLst>
-                              <p:par>
-                                <p:cTn id="12" presetID="53" presetClass="entr" presetSubtype="16" fill="hold" nodeType="clickEffect">
-                                  <p:stCondLst>
-                                    <p:cond delay="0"/>
-                                  </p:stCondLst>
-                                  <p:childTnLst>
-                                    <p:set>
-                                      <p:cBhvr>
-                                        <p:cTn id="13" dur="1" fill="hold">
-                                          <p:stCondLst>
-                                            <p:cond delay="0"/>
-                                          </p:stCondLst>
-                                        </p:cTn>
-                                        <p:tgtEl>
-                                          <p:spTgt spid="10"/>
-                                        </p:tgtEl>
-                                        <p:attrNameLst>
-                                          <p:attrName>style.visibility</p:attrName>
-                                        </p:attrNameLst>
-                                      </p:cBhvr>
-                                      <p:to>
-                                        <p:strVal val="visible"/>
-                                      </p:to>
-                                    </p:set>
-                                    <p:anim calcmode="lin" valueType="num">
-                                      <p:cBhvr>
-                                        <p:cTn id="14" dur="500" fill="hold"/>
-                                        <p:tgtEl>
-                                          <p:spTgt spid="10"/>
-                                        </p:tgtEl>
-                                        <p:attrNameLst>
-                                          <p:attrName>ppt_w</p:attrName>
-                                        </p:attrNameLst>
-                                      </p:cBhvr>
-                                      <p:tavLst>
-                                        <p:tav tm="0">
-                                          <p:val>
-                                            <p:fltVal val="0"/>
-                                          </p:val>
-                                        </p:tav>
-                                        <p:tav tm="100000">
-                                          <p:val>
-                                            <p:strVal val="#ppt_w"/>
-                                          </p:val>
-                                        </p:tav>
-                                      </p:tavLst>
-                                    </p:anim>
-                                    <p:anim calcmode="lin" valueType="num">
-                                      <p:cBhvr>
-                                        <p:cTn id="15" dur="500" fill="hold"/>
-                                        <p:tgtEl>
-                                          <p:spTgt spid="10"/>
-                                        </p:tgtEl>
-                                        <p:attrNameLst>
-                                          <p:attrName>ppt_h</p:attrName>
-                                        </p:attrNameLst>
-                                      </p:cBhvr>
-                                      <p:tavLst>
-                                        <p:tav tm="0">
-                                          <p:val>
-                                            <p:fltVal val="0"/>
-                                          </p:val>
-                                        </p:tav>
-                                        <p:tav tm="100000">
-                                          <p:val>
-                                            <p:strVal val="#ppt_h"/>
-                                          </p:val>
-                                        </p:tav>
-                                      </p:tavLst>
-                                    </p:anim>
-                                    <p:animEffect transition="in" filter="fade">
-                                      <p:cBhvr>
-                                        <p:cTn id="16" dur="500"/>
-                                        <p:tgtEl>
-                                          <p:spTgt spid="10"/>
-                                        </p:tgtEl>
-                                      </p:cBhvr>
-                                    </p:animEffect>
-                                  </p:childTnLst>
-                                </p:cTn>
-                              </p:par>
-                            </p:childTnLst>
-                          </p:cTn>
-                        </p:par>
-                      </p:childTnLst>
-                    </p:cTn>
-                  </p:par>
-                  <p:par>
-                    <p:cTn id="17" fill="hold">
-                      <p:stCondLst>
-                        <p:cond delay="indefinite"/>
-                      </p:stCondLst>
-                      <p:childTnLst>
-                        <p:par>
-                          <p:cTn id="18" fill="hold">
-                            <p:stCondLst>
-                              <p:cond delay="0"/>
-                            </p:stCondLst>
-                            <p:childTnLst>
-                              <p:par>
-                                <p:cTn id="19" presetID="10" presetClass="entr" presetSubtype="0" fill="hold" nodeType="clickEffect">
-                                  <p:stCondLst>
-                                    <p:cond delay="0"/>
-                                  </p:stCondLst>
-                                  <p:childTnLst>
-                                    <p:set>
-                                      <p:cBhvr>
-                                        <p:cTn id="20" dur="1" fill="hold">
                                           <p:stCondLst>
                                             <p:cond delay="0"/>
                                           </p:stCondLst>
@@ -5996,7 +7766,7 @@
                                     </p:set>
                                     <p:animEffect transition="in" filter="fade">
                                       <p:cBhvr>
-                                        <p:cTn id="21" dur="500"/>
+                                        <p:cTn id="7" dur="500"/>
                                         <p:tgtEl>
                                           <p:spTgt spid="9">
                                             <p:txEl>
@@ -6015,678 +7785,33 @@
                       </p:childTnLst>
                     </p:cTn>
                   </p:par>
-                </p:childTnLst>
-              </p:cTn>
-              <p:prevCondLst>
-                <p:cond evt="onPrev" delay="0">
-                  <p:tgtEl>
-                    <p:sldTgt/>
-                  </p:tgtEl>
-                </p:cond>
-              </p:prevCondLst>
-              <p:nextCondLst>
-                <p:cond evt="onNext" delay="0">
-                  <p:tgtEl>
-                    <p:sldTgt/>
-                  </p:tgtEl>
-                </p:cond>
-              </p:nextCondLst>
-            </p:seq>
-          </p:childTnLst>
-        </p:cTn>
-      </p:par>
-    </p:tnLst>
-    <p:bldLst>
-      <p:bldP spid="7" grpId="0"/>
-    </p:bldLst>
-  </p:timing>
-</p:sld>
-</file>
-
-<file path=ppt/slides/slide5.xml><?xml version="1.0" encoding="utf-8"?>
-<p:sld xmlns:a="http://schemas.openxmlformats.org/drawingml/2006/main" xmlns:r="http://schemas.openxmlformats.org/officeDocument/2006/relationships" xmlns:p="http://schemas.openxmlformats.org/presentationml/2006/main">
-  <p:cSld>
-    <p:spTree>
-      <p:nvGrpSpPr>
-        <p:cNvPr id="1" name=""/>
-        <p:cNvGrpSpPr/>
-        <p:nvPr/>
-      </p:nvGrpSpPr>
-      <p:grpSpPr>
-        <a:xfrm>
-          <a:off x="0" y="0"/>
-          <a:ext cx="0" cy="0"/>
-          <a:chOff x="0" y="0"/>
-          <a:chExt cx="0" cy="0"/>
-        </a:xfrm>
-      </p:grpSpPr>
-      <p:sp>
-        <p:nvSpPr>
-          <p:cNvPr id="16" name="Titolo 15"/>
-          <p:cNvSpPr>
-            <a:spLocks noGrp="1"/>
-          </p:cNvSpPr>
-          <p:nvPr>
-            <p:ph type="title"/>
-          </p:nvPr>
-        </p:nvSpPr>
-        <p:spPr>
-          <a:xfrm>
-            <a:off x="395536" y="188640"/>
-            <a:ext cx="1810544" cy="1008112"/>
-          </a:xfrm>
-        </p:spPr>
-        <p:style>
-          <a:lnRef idx="2">
-            <a:schemeClr val="dk1"/>
-          </a:lnRef>
-          <a:fillRef idx="1">
-            <a:schemeClr val="lt1"/>
-          </a:fillRef>
-          <a:effectRef idx="0">
-            <a:schemeClr val="dk1"/>
-          </a:effectRef>
-          <a:fontRef idx="minor">
-            <a:schemeClr val="dk1"/>
-          </a:fontRef>
-        </p:style>
-        <p:txBody>
-          <a:bodyPr/>
-          <a:lstStyle/>
-          <a:p>
-            <a:pPr algn="ctr"/>
-            <a:r>
-              <a:rPr lang="it-IT" b="0" dirty="0" err="1" smtClean="0">
-                <a:effectLst>
-                  <a:outerShdw blurRad="38100" dist="38100" dir="2700000" algn="tl">
-                    <a:srgbClr val="000000">
-                      <a:alpha val="43137"/>
-                    </a:srgbClr>
-                  </a:outerShdw>
-                </a:effectLst>
-                <a:latin typeface="Georgia" panose="02040502050405020303" pitchFamily="18" charset="0"/>
-              </a:rPr>
-              <a:t>Successful</a:t>
-            </a:r>
-            <a:r>
-              <a:rPr lang="it-IT" b="0" dirty="0" smtClean="0">
-                <a:effectLst>
-                  <a:outerShdw blurRad="38100" dist="38100" dir="2700000" algn="tl">
-                    <a:srgbClr val="000000">
-                      <a:alpha val="43137"/>
-                    </a:srgbClr>
-                  </a:outerShdw>
-                </a:effectLst>
-                <a:latin typeface="Georgia" panose="02040502050405020303" pitchFamily="18" charset="0"/>
-              </a:rPr>
-              <a:t> </a:t>
-            </a:r>
-            <a:r>
-              <a:rPr lang="it-IT" b="0" dirty="0" err="1">
-                <a:effectLst>
-                  <a:outerShdw blurRad="38100" dist="38100" dir="2700000" algn="tl">
-                    <a:srgbClr val="000000">
-                      <a:alpha val="43137"/>
-                    </a:srgbClr>
-                  </a:outerShdw>
-                </a:effectLst>
-                <a:latin typeface="Georgia" panose="02040502050405020303" pitchFamily="18" charset="0"/>
-              </a:rPr>
-              <a:t>r</a:t>
-            </a:r>
-            <a:r>
-              <a:rPr lang="it-IT" b="0" dirty="0" err="1" smtClean="0">
-                <a:effectLst>
-                  <a:outerShdw blurRad="38100" dist="38100" dir="2700000" algn="tl">
-                    <a:srgbClr val="000000">
-                      <a:alpha val="43137"/>
-                    </a:srgbClr>
-                  </a:outerShdw>
-                </a:effectLst>
-                <a:latin typeface="Georgia" panose="02040502050405020303" pitchFamily="18" charset="0"/>
-              </a:rPr>
-              <a:t>equest’s</a:t>
-            </a:r>
-            <a:r>
-              <a:rPr lang="it-IT" b="0" dirty="0" smtClean="0">
-                <a:effectLst>
-                  <a:outerShdw blurRad="38100" dist="38100" dir="2700000" algn="tl">
-                    <a:srgbClr val="000000">
-                      <a:alpha val="43137"/>
-                    </a:srgbClr>
-                  </a:outerShdw>
-                </a:effectLst>
-                <a:latin typeface="Georgia" panose="02040502050405020303" pitchFamily="18" charset="0"/>
-              </a:rPr>
-              <a:t> </a:t>
-            </a:r>
-            <a:r>
-              <a:rPr lang="it-IT" b="0" dirty="0" err="1" smtClean="0">
-                <a:effectLst>
-                  <a:outerShdw blurRad="38100" dist="38100" dir="2700000" algn="tl">
-                    <a:srgbClr val="000000">
-                      <a:alpha val="43137"/>
-                    </a:srgbClr>
-                  </a:outerShdw>
-                </a:effectLst>
-                <a:latin typeface="Georgia" panose="02040502050405020303" pitchFamily="18" charset="0"/>
-              </a:rPr>
-              <a:t>event</a:t>
-            </a:r>
-            <a:r>
-              <a:rPr lang="it-IT" b="0" dirty="0" smtClean="0">
-                <a:effectLst>
-                  <a:outerShdw blurRad="38100" dist="38100" dir="2700000" algn="tl">
-                    <a:srgbClr val="000000">
-                      <a:alpha val="43137"/>
-                    </a:srgbClr>
-                  </a:outerShdw>
-                </a:effectLst>
-                <a:latin typeface="Georgia" panose="02040502050405020303" pitchFamily="18" charset="0"/>
-              </a:rPr>
-              <a:t> flow</a:t>
-            </a:r>
-            <a:endParaRPr lang="it-IT" b="0" dirty="0">
-              <a:effectLst>
-                <a:outerShdw blurRad="38100" dist="38100" dir="2700000" algn="tl">
-                  <a:srgbClr val="000000">
-                    <a:alpha val="43137"/>
-                  </a:srgbClr>
-                </a:outerShdw>
-              </a:effectLst>
-              <a:latin typeface="Georgia" panose="02040502050405020303" pitchFamily="18" charset="0"/>
-            </a:endParaRPr>
-          </a:p>
-        </p:txBody>
-      </p:sp>
-      <p:sp>
-        <p:nvSpPr>
-          <p:cNvPr id="18" name="Segnaposto testo 17"/>
-          <p:cNvSpPr>
-            <a:spLocks noGrp="1"/>
-          </p:cNvSpPr>
-          <p:nvPr>
-            <p:ph type="body" sz="half" idx="2"/>
-          </p:nvPr>
-        </p:nvSpPr>
-        <p:spPr>
-          <a:xfrm>
-            <a:off x="179512" y="1435100"/>
-            <a:ext cx="2088233" cy="4946228"/>
-          </a:xfrm>
-        </p:spPr>
-        <p:txBody>
-          <a:bodyPr>
-            <a:normAutofit lnSpcReduction="10000"/>
-          </a:bodyPr>
-          <a:lstStyle/>
-          <a:p>
-            <a:pPr marL="285750" indent="-285750">
-              <a:buFont typeface="Arial" panose="020B0604020202020204" pitchFamily="34" charset="0"/>
-              <a:buChar char="•"/>
-            </a:pPr>
-            <a:r>
-              <a:rPr lang="it-IT" dirty="0" err="1" smtClean="0">
-                <a:latin typeface="Georgia" panose="02040502050405020303" pitchFamily="18" charset="0"/>
-              </a:rPr>
-              <a:t>After</a:t>
-            </a:r>
-            <a:r>
-              <a:rPr lang="it-IT" dirty="0" smtClean="0">
-                <a:latin typeface="Georgia" panose="02040502050405020303" pitchFamily="18" charset="0"/>
-              </a:rPr>
-              <a:t> the  </a:t>
-            </a:r>
-            <a:r>
-              <a:rPr lang="it-IT" dirty="0" err="1" smtClean="0">
-                <a:latin typeface="Georgia" panose="02040502050405020303" pitchFamily="18" charset="0"/>
-              </a:rPr>
-              <a:t>confirmation</a:t>
-            </a:r>
-            <a:r>
-              <a:rPr lang="it-IT" dirty="0" smtClean="0">
-                <a:latin typeface="Georgia" panose="02040502050405020303" pitchFamily="18" charset="0"/>
-              </a:rPr>
-              <a:t> the </a:t>
-            </a:r>
-            <a:r>
-              <a:rPr lang="it-IT" dirty="0" err="1" smtClean="0">
-                <a:latin typeface="Georgia" panose="02040502050405020303" pitchFamily="18" charset="0"/>
-              </a:rPr>
-              <a:t>system</a:t>
-            </a:r>
-            <a:r>
-              <a:rPr lang="it-IT" dirty="0" smtClean="0">
-                <a:latin typeface="Georgia" panose="02040502050405020303" pitchFamily="18" charset="0"/>
-              </a:rPr>
-              <a:t> </a:t>
-            </a:r>
-            <a:r>
-              <a:rPr lang="it-IT" dirty="0" err="1" smtClean="0">
-                <a:latin typeface="Georgia" panose="02040502050405020303" pitchFamily="18" charset="0"/>
-              </a:rPr>
-              <a:t>immediately</a:t>
-            </a:r>
-            <a:r>
-              <a:rPr lang="it-IT" dirty="0" smtClean="0">
-                <a:latin typeface="Georgia" panose="02040502050405020303" pitchFamily="18" charset="0"/>
-              </a:rPr>
-              <a:t> </a:t>
-            </a:r>
-            <a:r>
-              <a:rPr lang="it-IT" dirty="0" err="1" smtClean="0">
-                <a:latin typeface="Georgia" panose="02040502050405020303" pitchFamily="18" charset="0"/>
-              </a:rPr>
-              <a:t>starts</a:t>
-            </a:r>
-            <a:r>
-              <a:rPr lang="it-IT" dirty="0" smtClean="0">
-                <a:latin typeface="Georgia" panose="02040502050405020303" pitchFamily="18" charset="0"/>
-              </a:rPr>
-              <a:t> to </a:t>
-            </a:r>
-            <a:r>
-              <a:rPr lang="it-IT" dirty="0" err="1" smtClean="0">
-                <a:latin typeface="Georgia" panose="02040502050405020303" pitchFamily="18" charset="0"/>
-              </a:rPr>
-              <a:t>search</a:t>
-            </a:r>
-            <a:r>
-              <a:rPr lang="it-IT" dirty="0" smtClean="0">
-                <a:latin typeface="Georgia" panose="02040502050405020303" pitchFamily="18" charset="0"/>
-              </a:rPr>
-              <a:t> a taxi.</a:t>
-            </a:r>
-          </a:p>
-          <a:p>
-            <a:pPr marL="285750" indent="-285750">
-              <a:buFont typeface="Arial" panose="020B0604020202020204" pitchFamily="34" charset="0"/>
-              <a:buChar char="•"/>
-            </a:pPr>
-            <a:endParaRPr lang="it-IT" dirty="0">
-              <a:latin typeface="Georgia" panose="02040502050405020303" pitchFamily="18" charset="0"/>
-            </a:endParaRPr>
-          </a:p>
-          <a:p>
-            <a:pPr marL="285750" indent="-285750">
-              <a:buFont typeface="Arial" panose="020B0604020202020204" pitchFamily="34" charset="0"/>
-              <a:buChar char="•"/>
-            </a:pPr>
-            <a:r>
-              <a:rPr lang="it-IT" dirty="0" err="1" smtClean="0">
-                <a:latin typeface="Georgia" panose="02040502050405020303" pitchFamily="18" charset="0"/>
-              </a:rPr>
-              <a:t>Before</a:t>
-            </a:r>
-            <a:r>
-              <a:rPr lang="it-IT" dirty="0" smtClean="0">
-                <a:latin typeface="Georgia" panose="02040502050405020303" pitchFamily="18" charset="0"/>
-              </a:rPr>
-              <a:t> the </a:t>
-            </a:r>
-            <a:r>
-              <a:rPr lang="it-IT" dirty="0" err="1" smtClean="0">
-                <a:latin typeface="Georgia" panose="02040502050405020303" pitchFamily="18" charset="0"/>
-              </a:rPr>
-              <a:t>confirmation</a:t>
-            </a:r>
-            <a:r>
-              <a:rPr lang="it-IT" dirty="0" smtClean="0">
-                <a:latin typeface="Georgia" panose="02040502050405020303" pitchFamily="18" charset="0"/>
-              </a:rPr>
-              <a:t>, the </a:t>
-            </a:r>
-            <a:r>
-              <a:rPr lang="it-IT" dirty="0" err="1" smtClean="0">
-                <a:latin typeface="Georgia" panose="02040502050405020303" pitchFamily="18" charset="0"/>
-              </a:rPr>
-              <a:t>request</a:t>
-            </a:r>
-            <a:r>
-              <a:rPr lang="it-IT" dirty="0" smtClean="0">
-                <a:latin typeface="Georgia" panose="02040502050405020303" pitchFamily="18" charset="0"/>
-              </a:rPr>
-              <a:t> </a:t>
-            </a:r>
-            <a:r>
-              <a:rPr lang="it-IT" dirty="0" err="1" smtClean="0">
-                <a:latin typeface="Georgia" panose="02040502050405020303" pitchFamily="18" charset="0"/>
-              </a:rPr>
-              <a:t>has</a:t>
-            </a:r>
-            <a:r>
-              <a:rPr lang="it-IT" dirty="0" smtClean="0">
-                <a:latin typeface="Georgia" panose="02040502050405020303" pitchFamily="18" charset="0"/>
-              </a:rPr>
-              <a:t> no state, </a:t>
-            </a:r>
-            <a:r>
-              <a:rPr lang="it-IT" dirty="0" err="1" smtClean="0">
-                <a:latin typeface="Georgia" panose="02040502050405020303" pitchFamily="18" charset="0"/>
-              </a:rPr>
-              <a:t>because</a:t>
-            </a:r>
-            <a:r>
-              <a:rPr lang="it-IT" dirty="0" smtClean="0">
-                <a:latin typeface="Georgia" panose="02040502050405020303" pitchFamily="18" charset="0"/>
-              </a:rPr>
-              <a:t> </a:t>
-            </a:r>
-            <a:r>
-              <a:rPr lang="it-IT" dirty="0" err="1" smtClean="0">
-                <a:latin typeface="Georgia" panose="02040502050405020303" pitchFamily="18" charset="0"/>
-              </a:rPr>
-              <a:t>it</a:t>
-            </a:r>
-            <a:r>
-              <a:rPr lang="it-IT" dirty="0" smtClean="0">
-                <a:latin typeface="Georgia" panose="02040502050405020303" pitchFamily="18" charset="0"/>
-              </a:rPr>
-              <a:t> </a:t>
-            </a:r>
-            <a:r>
-              <a:rPr lang="it-IT" dirty="0" err="1" smtClean="0">
-                <a:latin typeface="Georgia" panose="02040502050405020303" pitchFamily="18" charset="0"/>
-              </a:rPr>
-              <a:t>doesn’t</a:t>
-            </a:r>
-            <a:r>
-              <a:rPr lang="it-IT" dirty="0" smtClean="0">
-                <a:latin typeface="Georgia" panose="02040502050405020303" pitchFamily="18" charset="0"/>
-              </a:rPr>
-              <a:t> </a:t>
-            </a:r>
-            <a:r>
-              <a:rPr lang="it-IT" dirty="0" err="1" smtClean="0">
-                <a:latin typeface="Georgia" panose="02040502050405020303" pitchFamily="18" charset="0"/>
-              </a:rPr>
-              <a:t>exist</a:t>
-            </a:r>
-            <a:r>
-              <a:rPr lang="it-IT" dirty="0" smtClean="0">
-                <a:latin typeface="Georgia" panose="02040502050405020303" pitchFamily="18" charset="0"/>
-              </a:rPr>
-              <a:t> </a:t>
-            </a:r>
-            <a:r>
-              <a:rPr lang="it-IT" dirty="0" err="1" smtClean="0">
-                <a:latin typeface="Georgia" panose="02040502050405020303" pitchFamily="18" charset="0"/>
-              </a:rPr>
-              <a:t>yet</a:t>
-            </a:r>
-            <a:r>
-              <a:rPr lang="it-IT" dirty="0" smtClean="0">
-                <a:latin typeface="Georgia" panose="02040502050405020303" pitchFamily="18" charset="0"/>
-              </a:rPr>
-              <a:t> in the </a:t>
-            </a:r>
-            <a:r>
-              <a:rPr lang="it-IT" dirty="0" err="1" smtClean="0">
-                <a:latin typeface="Georgia" panose="02040502050405020303" pitchFamily="18" charset="0"/>
-              </a:rPr>
-              <a:t>system</a:t>
-            </a:r>
-            <a:r>
-              <a:rPr lang="it-IT" dirty="0" smtClean="0">
-                <a:latin typeface="Georgia" panose="02040502050405020303" pitchFamily="18" charset="0"/>
-              </a:rPr>
-              <a:t>.</a:t>
-            </a:r>
-          </a:p>
-          <a:p>
-            <a:pPr marL="285750" indent="-285750">
-              <a:buFont typeface="Arial" panose="020B0604020202020204" pitchFamily="34" charset="0"/>
-              <a:buChar char="•"/>
-            </a:pPr>
-            <a:endParaRPr lang="it-IT" dirty="0">
-              <a:latin typeface="Georgia" panose="02040502050405020303" pitchFamily="18" charset="0"/>
-            </a:endParaRPr>
-          </a:p>
-          <a:p>
-            <a:pPr marL="285750" indent="-285750">
-              <a:buFont typeface="Arial" panose="020B0604020202020204" pitchFamily="34" charset="0"/>
-              <a:buChar char="•"/>
-            </a:pPr>
-            <a:r>
-              <a:rPr lang="it-IT" dirty="0" err="1" smtClean="0">
-                <a:latin typeface="Georgia" panose="02040502050405020303" pitchFamily="18" charset="0"/>
-              </a:rPr>
-              <a:t>After</a:t>
-            </a:r>
-            <a:r>
-              <a:rPr lang="it-IT" dirty="0" smtClean="0">
-                <a:latin typeface="Georgia" panose="02040502050405020303" pitchFamily="18" charset="0"/>
-              </a:rPr>
-              <a:t> the </a:t>
-            </a:r>
-            <a:r>
-              <a:rPr lang="it-IT" dirty="0" err="1" smtClean="0">
-                <a:latin typeface="Georgia" panose="02040502050405020303" pitchFamily="18" charset="0"/>
-              </a:rPr>
-              <a:t>confirmation</a:t>
-            </a:r>
-            <a:r>
-              <a:rPr lang="it-IT" dirty="0" smtClean="0">
-                <a:latin typeface="Georgia" panose="02040502050405020303" pitchFamily="18" charset="0"/>
-              </a:rPr>
-              <a:t>, the </a:t>
-            </a:r>
-            <a:r>
-              <a:rPr lang="it-IT" dirty="0" err="1" smtClean="0">
-                <a:latin typeface="Georgia" panose="02040502050405020303" pitchFamily="18" charset="0"/>
-              </a:rPr>
-              <a:t>request’s</a:t>
-            </a:r>
-            <a:r>
-              <a:rPr lang="it-IT" dirty="0" smtClean="0">
-                <a:latin typeface="Georgia" panose="02040502050405020303" pitchFamily="18" charset="0"/>
-              </a:rPr>
-              <a:t> state </a:t>
-            </a:r>
-            <a:r>
-              <a:rPr lang="it-IT" dirty="0" err="1" smtClean="0">
-                <a:latin typeface="Georgia" panose="02040502050405020303" pitchFamily="18" charset="0"/>
-              </a:rPr>
-              <a:t>is</a:t>
-            </a:r>
-            <a:r>
-              <a:rPr lang="it-IT" dirty="0" smtClean="0">
-                <a:latin typeface="Georgia" panose="02040502050405020303" pitchFamily="18" charset="0"/>
-              </a:rPr>
-              <a:t> </a:t>
-            </a:r>
-            <a:r>
-              <a:rPr lang="it-IT" i="1" dirty="0" err="1" smtClean="0">
-                <a:solidFill>
-                  <a:srgbClr val="FF0000"/>
-                </a:solidFill>
-                <a:latin typeface="Georgia" panose="02040502050405020303" pitchFamily="18" charset="0"/>
-              </a:rPr>
-              <a:t>NotAssigned</a:t>
-            </a:r>
-            <a:r>
-              <a:rPr lang="it-IT" i="1" dirty="0">
-                <a:latin typeface="Georgia" panose="02040502050405020303" pitchFamily="18" charset="0"/>
-              </a:rPr>
-              <a:t>.</a:t>
-            </a:r>
-            <a:endParaRPr lang="it-IT" i="1" dirty="0" smtClean="0">
-              <a:solidFill>
-                <a:srgbClr val="FF0000"/>
-              </a:solidFill>
-              <a:latin typeface="Georgia" panose="02040502050405020303" pitchFamily="18" charset="0"/>
-            </a:endParaRPr>
-          </a:p>
-          <a:p>
-            <a:pPr marL="285750" indent="-285750">
-              <a:buFont typeface="Arial" panose="020B0604020202020204" pitchFamily="34" charset="0"/>
-              <a:buChar char="•"/>
-            </a:pPr>
-            <a:endParaRPr lang="it-IT" dirty="0" smtClean="0">
-              <a:latin typeface="Georgia" panose="02040502050405020303" pitchFamily="18" charset="0"/>
-            </a:endParaRPr>
-          </a:p>
-          <a:p>
-            <a:pPr marL="285750" indent="-285750">
-              <a:buFont typeface="Arial" panose="020B0604020202020204" pitchFamily="34" charset="0"/>
-              <a:buChar char="•"/>
-            </a:pPr>
-            <a:r>
-              <a:rPr lang="it-IT" dirty="0" err="1" smtClean="0">
-                <a:latin typeface="Georgia" panose="02040502050405020303" pitchFamily="18" charset="0"/>
-              </a:rPr>
-              <a:t>After</a:t>
-            </a:r>
-            <a:r>
-              <a:rPr lang="it-IT" dirty="0" smtClean="0">
-                <a:latin typeface="Georgia" panose="02040502050405020303" pitchFamily="18" charset="0"/>
-              </a:rPr>
-              <a:t> the last </a:t>
-            </a:r>
-            <a:r>
-              <a:rPr lang="it-IT" dirty="0" err="1" smtClean="0">
-                <a:latin typeface="Georgia" panose="02040502050405020303" pitchFamily="18" charset="0"/>
-              </a:rPr>
-              <a:t>operation</a:t>
-            </a:r>
-            <a:r>
-              <a:rPr lang="it-IT" dirty="0" smtClean="0">
-                <a:latin typeface="Georgia" panose="02040502050405020303" pitchFamily="18" charset="0"/>
-              </a:rPr>
-              <a:t>, the </a:t>
-            </a:r>
-            <a:r>
-              <a:rPr lang="it-IT" dirty="0" err="1" smtClean="0">
-                <a:latin typeface="Georgia" panose="02040502050405020303" pitchFamily="18" charset="0"/>
-              </a:rPr>
-              <a:t>request’s</a:t>
-            </a:r>
-            <a:r>
-              <a:rPr lang="it-IT" dirty="0" smtClean="0">
-                <a:latin typeface="Georgia" panose="02040502050405020303" pitchFamily="18" charset="0"/>
-              </a:rPr>
-              <a:t> state </a:t>
-            </a:r>
-            <a:r>
-              <a:rPr lang="it-IT" dirty="0" err="1" smtClean="0">
-                <a:latin typeface="Georgia" panose="02040502050405020303" pitchFamily="18" charset="0"/>
-              </a:rPr>
-              <a:t>is</a:t>
-            </a:r>
-            <a:r>
-              <a:rPr lang="it-IT" dirty="0" smtClean="0">
-                <a:latin typeface="Georgia" panose="02040502050405020303" pitchFamily="18" charset="0"/>
-              </a:rPr>
-              <a:t> </a:t>
-            </a:r>
-            <a:r>
-              <a:rPr lang="it-IT" i="1" dirty="0" err="1" smtClean="0">
-                <a:solidFill>
-                  <a:srgbClr val="FF0000"/>
-                </a:solidFill>
-                <a:latin typeface="Georgia" panose="02040502050405020303" pitchFamily="18" charset="0"/>
-              </a:rPr>
-              <a:t>Assigned</a:t>
-            </a:r>
-            <a:r>
-              <a:rPr lang="it-IT" i="1" dirty="0">
-                <a:solidFill>
-                  <a:srgbClr val="FF0000"/>
-                </a:solidFill>
-                <a:latin typeface="Georgia" panose="02040502050405020303" pitchFamily="18" charset="0"/>
-              </a:rPr>
-              <a:t>.</a:t>
-            </a:r>
-            <a:endParaRPr lang="it-IT" i="1" dirty="0" smtClean="0">
-              <a:solidFill>
-                <a:srgbClr val="FF0000"/>
-              </a:solidFill>
-              <a:latin typeface="Georgia" panose="02040502050405020303" pitchFamily="18" charset="0"/>
-            </a:endParaRPr>
-          </a:p>
-          <a:p>
-            <a:pPr marL="285750" indent="-285750">
-              <a:buFont typeface="Arial" panose="020B0604020202020204" pitchFamily="34" charset="0"/>
-              <a:buChar char="•"/>
-            </a:pPr>
-            <a:endParaRPr lang="it-IT" dirty="0"/>
-          </a:p>
-        </p:txBody>
-      </p:sp>
-      <p:pic>
-        <p:nvPicPr>
-          <p:cNvPr id="21" name="Segnaposto contenuto 20"/>
-          <p:cNvPicPr>
-            <a:picLocks noGrp="1" noChangeAspect="1"/>
-          </p:cNvPicPr>
-          <p:nvPr>
-            <p:ph idx="1"/>
-          </p:nvPr>
-        </p:nvPicPr>
-        <p:blipFill>
-          <a:blip r:embed="rId2" cstate="print">
-            <a:extLst>
-              <a:ext uri="{28A0092B-C50C-407E-A947-70E740481C1C}">
-                <a14:useLocalDpi xmlns:a14="http://schemas.microsoft.com/office/drawing/2010/main" val="0"/>
-              </a:ext>
-            </a:extLst>
-          </a:blip>
-          <a:stretch>
-            <a:fillRect/>
-          </a:stretch>
-        </p:blipFill>
-        <p:spPr>
-          <a:xfrm>
-            <a:off x="2268538" y="260648"/>
-            <a:ext cx="7848078" cy="6048671"/>
-          </a:xfrm>
-        </p:spPr>
-      </p:pic>
-    </p:spTree>
-    <p:extLst>
-      <p:ext uri="{BB962C8B-B14F-4D97-AF65-F5344CB8AC3E}">
-        <p14:creationId xmlns:p14="http://schemas.microsoft.com/office/powerpoint/2010/main" val="4001682420"/>
-      </p:ext>
-    </p:extLst>
-  </p:cSld>
-  <p:clrMapOvr>
-    <a:masterClrMapping/>
-  </p:clrMapOvr>
-  <p:timing>
-    <p:tnLst>
-      <p:par>
-        <p:cTn id="1" dur="indefinite" restart="never" nodeType="tmRoot">
-          <p:childTnLst>
-            <p:seq concurrent="1" nextAc="seek">
-              <p:cTn id="2" dur="indefinite" nodeType="mainSeq">
-                <p:childTnLst>
                   <p:par>
-                    <p:cTn id="3" fill="hold">
+                    <p:cTn id="8" fill="hold">
                       <p:stCondLst>
                         <p:cond delay="indefinite"/>
                       </p:stCondLst>
                       <p:childTnLst>
                         <p:par>
-                          <p:cTn id="4" fill="hold">
+                          <p:cTn id="9" fill="hold">
                             <p:stCondLst>
                               <p:cond delay="0"/>
                             </p:stCondLst>
                             <p:childTnLst>
                               <p:par>
-                                <p:cTn id="5" presetID="53" presetClass="entr" presetSubtype="16" fill="hold" nodeType="clickEffect">
+                                <p:cTn id="10" presetID="53" presetClass="entr" presetSubtype="16" fill="hold" nodeType="clickEffect">
                                   <p:stCondLst>
                                     <p:cond delay="0"/>
                                   </p:stCondLst>
                                   <p:childTnLst>
                                     <p:set>
                                       <p:cBhvr>
-                                        <p:cTn id="6" dur="1" fill="hold">
+                                        <p:cTn id="11" dur="1" fill="hold">
                                           <p:stCondLst>
                                             <p:cond delay="0"/>
                                           </p:stCondLst>
                                         </p:cTn>
                                         <p:tgtEl>
-                                          <p:spTgt spid="21"/>
+                                          <p:spTgt spid="5"/>
                                         </p:tgtEl>
                                         <p:attrNameLst>
                                           <p:attrName>style.visibility</p:attrName>
@@ -6698,9 +7823,9 @@
                                     </p:set>
                                     <p:anim calcmode="lin" valueType="num">
                                       <p:cBhvr>
-                                        <p:cTn id="7" dur="500" fill="hold"/>
+                                        <p:cTn id="12" dur="500" fill="hold"/>
                                         <p:tgtEl>
-                                          <p:spTgt spid="21"/>
+                                          <p:spTgt spid="5"/>
                                         </p:tgtEl>
                                         <p:attrNameLst>
                                           <p:attrName>ppt_w</p:attrName>
@@ -6721,9 +7846,9 @@
                                     </p:anim>
                                     <p:anim calcmode="lin" valueType="num">
                                       <p:cBhvr>
-                                        <p:cTn id="8" dur="500" fill="hold"/>
+                                        <p:cTn id="13" dur="500" fill="hold"/>
                                         <p:tgtEl>
-                                          <p:spTgt spid="21"/>
+                                          <p:spTgt spid="5"/>
                                         </p:tgtEl>
                                         <p:attrNameLst>
                                           <p:attrName>ppt_h</p:attrName>
@@ -6744,70 +7869,9 @@
                                     </p:anim>
                                     <p:animEffect transition="in" filter="fade">
                                       <p:cBhvr>
-                                        <p:cTn id="9" dur="500"/>
-                                        <p:tgtEl>
-                                          <p:spTgt spid="21"/>
-                                        </p:tgtEl>
-                                      </p:cBhvr>
-                                    </p:animEffect>
-                                  </p:childTnLst>
-                                </p:cTn>
-                              </p:par>
-                            </p:childTnLst>
-                          </p:cTn>
-                        </p:par>
-                      </p:childTnLst>
-                    </p:cTn>
-                  </p:par>
-                  <p:par>
-                    <p:cTn id="10" fill="hold">
-                      <p:stCondLst>
-                        <p:cond delay="indefinite"/>
-                      </p:stCondLst>
-                      <p:childTnLst>
-                        <p:par>
-                          <p:cTn id="11" fill="hold">
-                            <p:stCondLst>
-                              <p:cond delay="0"/>
-                            </p:stCondLst>
-                            <p:childTnLst>
-                              <p:par>
-                                <p:cTn id="12" presetID="10" presetClass="entr" presetSubtype="0" fill="hold" nodeType="clickEffect">
-                                  <p:stCondLst>
-                                    <p:cond delay="0"/>
-                                  </p:stCondLst>
-                                  <p:childTnLst>
-                                    <p:set>
-                                      <p:cBhvr>
-                                        <p:cTn id="13" dur="1" fill="hold">
-                                          <p:stCondLst>
-                                            <p:cond delay="0"/>
-                                          </p:stCondLst>
-                                        </p:cTn>
-                                        <p:tgtEl>
-                                          <p:spTgt spid="18">
-                                            <p:txEl>
-                                              <p:pRg st="0" end="0"/>
-                                            </p:txEl>
-                                          </p:spTgt>
-                                        </p:tgtEl>
-                                        <p:attrNameLst>
-                                          <p:attrName>style.visibility</p:attrName>
-                                        </p:attrNameLst>
-                                      </p:cBhvr>
-                                      <p:to>
-                                        <p:strVal val="visible"/>
-                                      </p:to>
-                                    </p:set>
-                                    <p:animEffect transition="in" filter="fade">
-                                      <p:cBhvr>
                                         <p:cTn id="14" dur="500"/>
                                         <p:tgtEl>
-                                          <p:spTgt spid="18">
-                                            <p:txEl>
-                                              <p:pRg st="0" end="0"/>
-                                            </p:txEl>
-                                          </p:spTgt>
+                                          <p:spTgt spid="5"/>
                                         </p:tgtEl>
                                       </p:cBhvr>
                                     </p:animEffect>
@@ -6846,9 +7910,9 @@
                                           </p:stCondLst>
                                         </p:cTn>
                                         <p:tgtEl>
-                                          <p:spTgt spid="18">
+                                          <p:spTgt spid="8">
                                             <p:txEl>
-                                              <p:pRg st="2" end="2"/>
+                                              <p:pRg st="0" end="0"/>
                                             </p:txEl>
                                           </p:spTgt>
                                         </p:tgtEl>
@@ -6864,9 +7928,9 @@
                                       <p:cBhvr>
                                         <p:cTn id="19" dur="500"/>
                                         <p:tgtEl>
-                                          <p:spTgt spid="18">
+                                          <p:spTgt spid="8">
                                             <p:txEl>
-                                              <p:pRg st="2" end="2"/>
+                                              <p:pRg st="0" end="0"/>
                                             </p:txEl>
                                           </p:spTgt>
                                         </p:tgtEl>
@@ -6894,7 +7958,7 @@
                             </p:stCondLst>
                             <p:childTnLst>
                               <p:par>
-                                <p:cTn id="22" presetID="10" presetClass="entr" presetSubtype="0" fill="hold" nodeType="clickEffect">
+                                <p:cTn id="22" presetID="42" presetClass="entr" presetSubtype="0" fill="hold" nodeType="clickEffect">
                                   <p:stCondLst>
                                     <p:cond delay="0"/>
                                   </p:stCondLst>
@@ -6907,9 +7971,9 @@
                                           </p:stCondLst>
                                         </p:cTn>
                                         <p:tgtEl>
-                                          <p:spTgt spid="18">
+                                          <p:spTgt spid="2">
                                             <p:txEl>
-                                              <p:pRg st="4" end="4"/>
+                                              <p:pRg st="0" end="0"/>
                                             </p:txEl>
                                           </p:spTgt>
                                         </p:tgtEl>
@@ -6923,16 +7987,70 @@
                                     </p:set>
                                     <p:animEffect transition="in" filter="fade">
                                       <p:cBhvr>
-                                        <p:cTn id="24" dur="500"/>
+                                        <p:cTn id="24" dur="1000"/>
                                         <p:tgtEl>
-                                          <p:spTgt spid="18">
+                                          <p:spTgt spid="2">
                                             <p:txEl>
-                                              <p:pRg st="4" end="4"/>
+                                              <p:pRg st="0" end="0"/>
                                             </p:txEl>
                                           </p:spTgt>
                                         </p:tgtEl>
                                       </p:cBhvr>
                                     </p:animEffect>
+                                    <p:anim calcmode="lin" valueType="num">
+                                      <p:cBhvr>
+                                        <p:cTn id="25" dur="1000" fill="hold"/>
+                                        <p:tgtEl>
+                                          <p:spTgt spid="2">
+                                            <p:txEl>
+                                              <p:pRg st="0" end="0"/>
+                                            </p:txEl>
+                                          </p:spTgt>
+                                        </p:tgtEl>
+                                        <p:attrNameLst>
+                                          <p:attrName>ppt_x</p:attrName>
+                                        </p:attrNameLst>
+                                      </p:cBhvr>
+                                      <p:tavLst>
+                                        <p:tav tm="0">
+                                          <p:val>
+                                            <p:strVal val="#ppt_x"/>
+                                          </p:val>
+                                        </p:tav>
+                                        <p:tav tm="100000">
+                                          <p:val>
+                                            <p:strVal val="#ppt_x"/>
+                                          </p:val>
+                                        </p:tav>
+                                      </p:tavLst>
+                                    </p:anim>
+                                    <p:anim calcmode="lin" valueType="num">
+                                      <p:cBhvr>
+                                        <p:cTn id="26" dur="1000" fill="hold"/>
+                                        <p:tgtEl>
+                                          <p:spTgt spid="2">
+                                            <p:txEl>
+                                              <p:pRg st="0" end="0"/>
+                                            </p:txEl>
+                                          </p:spTgt>
+                                        </p:tgtEl>
+                                        <p:attrNameLst>
+                                          <p:attrName>ppt_y</p:attrName>
+                                        </p:attrNameLst>
+                                      </p:cBhvr>
+                                      <p:tavLst>
+                                        <p:tav tm="0">
+                                          <p:val>
+                                            <p:strVal val="#ppt_y+.1"/>
+                                          </p:val>
+                                        </p:tav>
+                                        <p:tav tm="100000">
+                                          <p:val>
+                                            <p:strVal val="#ppt_y"/>
+                                          </p:val>
+                                        </p:tav>
+                                      </p:tavLst>
+                                    </p:anim>
                                   </p:childTnLst>
                                 </p:cTn>
                               </p:par>
@@ -6943,664 +8061,32 @@
                     </p:cTn>
                   </p:par>
                   <p:par>
-                    <p:cTn id="25" fill="hold">
+                    <p:cTn id="27" fill="hold">
                       <p:stCondLst>
                         <p:cond delay="indefinite"/>
                       </p:stCondLst>
                       <p:childTnLst>
                         <p:par>
-                          <p:cTn id="26" fill="hold">
+                          <p:cTn id="28" fill="hold">
                             <p:stCondLst>
                               <p:cond delay="0"/>
                             </p:stCondLst>
                             <p:childTnLst>
                               <p:par>
-                                <p:cTn id="27" presetID="10" presetClass="entr" presetSubtype="0" fill="hold" nodeType="clickEffect">
+                                <p:cTn id="29" presetID="53" presetClass="entr" presetSubtype="16" fill="hold" nodeType="clickEffect">
                                   <p:stCondLst>
                                     <p:cond delay="0"/>
                                   </p:stCondLst>
                                   <p:childTnLst>
                                     <p:set>
                                       <p:cBhvr>
-                                        <p:cTn id="28" dur="1" fill="hold">
+                                        <p:cTn id="30" dur="1" fill="hold">
                                           <p:stCondLst>
                                             <p:cond delay="0"/>
                                           </p:stCondLst>
                                         </p:cTn>
                                         <p:tgtEl>
-                                          <p:spTgt spid="18">
-                                            <p:txEl>
-                                              <p:pRg st="6" end="6"/>
-                                            </p:txEl>
-                                          </p:spTgt>
-                                        </p:tgtEl>
-                                        <p:attrNameLst>
-                                          <p:attrName>style.visibility</p:attrName>
-                                        </p:attrNameLst>
-                                      </p:cBhvr>
-                                      <p:to>
-                                        <p:strVal val="visible"/>
-                                      </p:to>
-                                    </p:set>
-                                    <p:animEffect transition="in" filter="fade">
-                                      <p:cBhvr>
-                                        <p:cTn id="29" dur="500"/>
-                                        <p:tgtEl>
-                                          <p:spTgt spid="18">
-                                            <p:txEl>
-                                              <p:pRg st="6" end="6"/>
-                                            </p:txEl>
-                                          </p:spTgt>
-                                        </p:tgtEl>
-                                      </p:cBhvr>
-                                    </p:animEffect>
-                                  </p:childTnLst>
-                                </p:cTn>
-                              </p:par>
-                            </p:childTnLst>
-                          </p:cTn>
-                        </p:par>
-                      </p:childTnLst>
-                    </p:cTn>
-                  </p:par>
-                </p:childTnLst>
-              </p:cTn>
-              <p:prevCondLst>
-                <p:cond evt="onPrev" delay="0">
-                  <p:tgtEl>
-                    <p:sldTgt/>
-                  </p:tgtEl>
-                </p:cond>
-              </p:prevCondLst>
-              <p:nextCondLst>
-                <p:cond evt="onNext" delay="0">
-                  <p:tgtEl>
-                    <p:sldTgt/>
-                  </p:tgtEl>
-                </p:cond>
-              </p:nextCondLst>
-            </p:seq>
-          </p:childTnLst>
-        </p:cTn>
-      </p:par>
-    </p:tnLst>
-  </p:timing>
-</p:sld>
-</file>
-
-<file path=ppt/slides/slide6.xml><?xml version="1.0" encoding="utf-8"?>
-<p:sld xmlns:a="http://schemas.openxmlformats.org/drawingml/2006/main" xmlns:r="http://schemas.openxmlformats.org/officeDocument/2006/relationships" xmlns:p="http://schemas.openxmlformats.org/presentationml/2006/main">
-  <p:cSld>
-    <p:spTree>
-      <p:nvGrpSpPr>
-        <p:cNvPr id="1" name=""/>
-        <p:cNvGrpSpPr/>
-        <p:nvPr/>
-      </p:nvGrpSpPr>
-      <p:grpSpPr>
-        <a:xfrm>
-          <a:off x="0" y="0"/>
-          <a:ext cx="0" cy="0"/>
-          <a:chOff x="0" y="0"/>
-          <a:chExt cx="0" cy="0"/>
-        </a:xfrm>
-      </p:grpSpPr>
-      <p:sp>
-        <p:nvSpPr>
-          <p:cNvPr id="4" name="Titolo 3"/>
-          <p:cNvSpPr>
-            <a:spLocks noGrp="1"/>
-          </p:cNvSpPr>
-          <p:nvPr>
-            <p:ph type="title"/>
-          </p:nvPr>
-        </p:nvSpPr>
-        <p:spPr>
-          <a:xfrm>
-            <a:off x="395536" y="188640"/>
-            <a:ext cx="1882552" cy="1008112"/>
-          </a:xfrm>
-        </p:spPr>
-        <p:style>
-          <a:lnRef idx="2">
-            <a:schemeClr val="dk1"/>
-          </a:lnRef>
-          <a:fillRef idx="1">
-            <a:schemeClr val="lt1"/>
-          </a:fillRef>
-          <a:effectRef idx="0">
-            <a:schemeClr val="dk1"/>
-          </a:effectRef>
-          <a:fontRef idx="minor">
-            <a:schemeClr val="dk1"/>
-          </a:fontRef>
-        </p:style>
-        <p:txBody>
-          <a:bodyPr/>
-          <a:lstStyle/>
-          <a:p>
-            <a:pPr algn="ctr"/>
-            <a:r>
-              <a:rPr lang="it-IT" b="0" dirty="0" err="1" smtClean="0">
-                <a:effectLst>
-                  <a:outerShdw blurRad="38100" dist="38100" dir="2700000" algn="tl">
-                    <a:srgbClr val="000000">
-                      <a:alpha val="43137"/>
-                    </a:srgbClr>
-                  </a:outerShdw>
-                </a:effectLst>
-                <a:latin typeface="Georgia" panose="02040502050405020303" pitchFamily="18" charset="0"/>
-              </a:rPr>
-              <a:t>Successful</a:t>
-            </a:r>
-            <a:r>
-              <a:rPr lang="it-IT" b="0" dirty="0" smtClean="0">
-                <a:effectLst>
-                  <a:outerShdw blurRad="38100" dist="38100" dir="2700000" algn="tl">
-                    <a:srgbClr val="000000">
-                      <a:alpha val="43137"/>
-                    </a:srgbClr>
-                  </a:outerShdw>
-                </a:effectLst>
-                <a:latin typeface="Georgia" panose="02040502050405020303" pitchFamily="18" charset="0"/>
-              </a:rPr>
-              <a:t> </a:t>
-            </a:r>
-            <a:r>
-              <a:rPr lang="it-IT" b="0" dirty="0" err="1" smtClean="0">
-                <a:effectLst>
-                  <a:outerShdw blurRad="38100" dist="38100" dir="2700000" algn="tl">
-                    <a:srgbClr val="000000">
-                      <a:alpha val="43137"/>
-                    </a:srgbClr>
-                  </a:outerShdw>
-                </a:effectLst>
-                <a:latin typeface="Georgia" panose="02040502050405020303" pitchFamily="18" charset="0"/>
-              </a:rPr>
-              <a:t>reservation’s</a:t>
-            </a:r>
-            <a:r>
-              <a:rPr lang="it-IT" b="0" dirty="0" smtClean="0">
-                <a:effectLst>
-                  <a:outerShdw blurRad="38100" dist="38100" dir="2700000" algn="tl">
-                    <a:srgbClr val="000000">
-                      <a:alpha val="43137"/>
-                    </a:srgbClr>
-                  </a:outerShdw>
-                </a:effectLst>
-                <a:latin typeface="Georgia" panose="02040502050405020303" pitchFamily="18" charset="0"/>
-              </a:rPr>
-              <a:t> </a:t>
-            </a:r>
-            <a:r>
-              <a:rPr lang="it-IT" b="0" dirty="0" err="1" smtClean="0">
-                <a:effectLst>
-                  <a:outerShdw blurRad="38100" dist="38100" dir="2700000" algn="tl">
-                    <a:srgbClr val="000000">
-                      <a:alpha val="43137"/>
-                    </a:srgbClr>
-                  </a:outerShdw>
-                </a:effectLst>
-                <a:latin typeface="Georgia" panose="02040502050405020303" pitchFamily="18" charset="0"/>
-              </a:rPr>
-              <a:t>event</a:t>
-            </a:r>
-            <a:r>
-              <a:rPr lang="it-IT" b="0" dirty="0" smtClean="0">
-                <a:effectLst>
-                  <a:outerShdw blurRad="38100" dist="38100" dir="2700000" algn="tl">
-                    <a:srgbClr val="000000">
-                      <a:alpha val="43137"/>
-                    </a:srgbClr>
-                  </a:outerShdw>
-                </a:effectLst>
-                <a:latin typeface="Georgia" panose="02040502050405020303" pitchFamily="18" charset="0"/>
-              </a:rPr>
-              <a:t> flow</a:t>
-            </a:r>
-            <a:endParaRPr lang="it-IT" b="0" dirty="0">
-              <a:effectLst>
-                <a:outerShdw blurRad="38100" dist="38100" dir="2700000" algn="tl">
-                  <a:srgbClr val="000000">
-                    <a:alpha val="43137"/>
-                  </a:srgbClr>
-                </a:outerShdw>
-              </a:effectLst>
-              <a:latin typeface="Georgia" panose="02040502050405020303" pitchFamily="18" charset="0"/>
-            </a:endParaRPr>
-          </a:p>
-        </p:txBody>
-      </p:sp>
-      <p:pic>
-        <p:nvPicPr>
-          <p:cNvPr id="7" name="Segnaposto contenuto 6"/>
-          <p:cNvPicPr>
-            <a:picLocks noGrp="1" noChangeAspect="1"/>
-          </p:cNvPicPr>
-          <p:nvPr>
-            <p:ph idx="1"/>
-          </p:nvPr>
-        </p:nvPicPr>
-        <p:blipFill>
-          <a:blip r:embed="rId2" cstate="print">
-            <a:extLst>
-              <a:ext uri="{28A0092B-C50C-407E-A947-70E740481C1C}">
-                <a14:useLocalDpi xmlns:a14="http://schemas.microsoft.com/office/drawing/2010/main" val="0"/>
-              </a:ext>
-            </a:extLst>
-          </a:blip>
-          <a:stretch>
-            <a:fillRect/>
-          </a:stretch>
-        </p:blipFill>
-        <p:spPr>
-          <a:xfrm>
-            <a:off x="2411412" y="408198"/>
-            <a:ext cx="7417171" cy="6189154"/>
-          </a:xfrm>
-        </p:spPr>
-      </p:pic>
-      <p:sp>
-        <p:nvSpPr>
-          <p:cNvPr id="6" name="Segnaposto testo 5"/>
-          <p:cNvSpPr>
-            <a:spLocks noGrp="1"/>
-          </p:cNvSpPr>
-          <p:nvPr>
-            <p:ph type="body" sz="half" idx="2"/>
-          </p:nvPr>
-        </p:nvSpPr>
-        <p:spPr>
-          <a:xfrm>
-            <a:off x="467544" y="1556792"/>
-            <a:ext cx="1882552" cy="5018236"/>
-          </a:xfrm>
-        </p:spPr>
-        <p:txBody>
-          <a:bodyPr>
-            <a:normAutofit/>
-          </a:bodyPr>
-          <a:lstStyle/>
-          <a:p>
-            <a:pPr marL="285750" indent="-285750">
-              <a:buFont typeface="Arial" panose="020B0604020202020204" pitchFamily="34" charset="0"/>
-              <a:buChar char="•"/>
-            </a:pPr>
-            <a:r>
-              <a:rPr lang="it-IT" sz="1300" dirty="0" smtClean="0">
-                <a:latin typeface="Georgia" panose="02040502050405020303" pitchFamily="18" charset="0"/>
-              </a:rPr>
-              <a:t>The </a:t>
-            </a:r>
-            <a:r>
-              <a:rPr lang="it-IT" sz="1300" dirty="0" err="1" smtClean="0">
-                <a:latin typeface="Georgia" panose="02040502050405020303" pitchFamily="18" charset="0"/>
-              </a:rPr>
-              <a:t>overlaps</a:t>
-            </a:r>
-            <a:r>
-              <a:rPr lang="it-IT" sz="1300" dirty="0" smtClean="0">
-                <a:latin typeface="Georgia" panose="02040502050405020303" pitchFamily="18" charset="0"/>
-              </a:rPr>
-              <a:t> </a:t>
-            </a:r>
-            <a:r>
-              <a:rPr lang="it-IT" sz="1300" dirty="0" err="1" smtClean="0">
-                <a:latin typeface="Georgia" panose="02040502050405020303" pitchFamily="18" charset="0"/>
-              </a:rPr>
-              <a:t>verification</a:t>
-            </a:r>
-            <a:r>
-              <a:rPr lang="it-IT" sz="1300" dirty="0" smtClean="0">
-                <a:latin typeface="Georgia" panose="02040502050405020303" pitchFamily="18" charset="0"/>
-              </a:rPr>
-              <a:t> and the taxi </a:t>
-            </a:r>
-            <a:r>
-              <a:rPr lang="it-IT" sz="1300" dirty="0" err="1" smtClean="0">
-                <a:latin typeface="Georgia" panose="02040502050405020303" pitchFamily="18" charset="0"/>
-              </a:rPr>
-              <a:t>search</a:t>
-            </a:r>
-            <a:r>
-              <a:rPr lang="it-IT" sz="1300" dirty="0" smtClean="0">
-                <a:latin typeface="Georgia" panose="02040502050405020303" pitchFamily="18" charset="0"/>
-              </a:rPr>
-              <a:t> are </a:t>
-            </a:r>
-            <a:r>
-              <a:rPr lang="it-IT" sz="1300" dirty="0" err="1" smtClean="0">
-                <a:latin typeface="Georgia" panose="02040502050405020303" pitchFamily="18" charset="0"/>
-              </a:rPr>
-              <a:t>delayed</a:t>
-            </a:r>
-            <a:r>
-              <a:rPr lang="it-IT" sz="1300" dirty="0" smtClean="0">
-                <a:latin typeface="Georgia" panose="02040502050405020303" pitchFamily="18" charset="0"/>
-              </a:rPr>
-              <a:t> </a:t>
-            </a:r>
-            <a:r>
-              <a:rPr lang="it-IT" sz="1300" dirty="0" err="1" smtClean="0">
-                <a:latin typeface="Georgia" panose="02040502050405020303" pitchFamily="18" charset="0"/>
-              </a:rPr>
-              <a:t>until</a:t>
-            </a:r>
-            <a:r>
-              <a:rPr lang="it-IT" sz="1300" dirty="0" smtClean="0">
-                <a:latin typeface="Georgia" panose="02040502050405020303" pitchFamily="18" charset="0"/>
-              </a:rPr>
-              <a:t> the last 10 minutes </a:t>
-            </a:r>
-            <a:r>
-              <a:rPr lang="it-IT" sz="1300" dirty="0" err="1" smtClean="0">
-                <a:latin typeface="Georgia" panose="02040502050405020303" pitchFamily="18" charset="0"/>
-              </a:rPr>
-              <a:t>before</a:t>
-            </a:r>
-            <a:r>
-              <a:rPr lang="it-IT" sz="1300" dirty="0" smtClean="0">
-                <a:latin typeface="Georgia" panose="02040502050405020303" pitchFamily="18" charset="0"/>
-              </a:rPr>
-              <a:t> the </a:t>
-            </a:r>
-            <a:r>
-              <a:rPr lang="it-IT" sz="1300" dirty="0" err="1" smtClean="0">
-                <a:latin typeface="Georgia" panose="02040502050405020303" pitchFamily="18" charset="0"/>
-              </a:rPr>
-              <a:t>established</a:t>
-            </a:r>
-            <a:r>
-              <a:rPr lang="it-IT" sz="1300" dirty="0" smtClean="0">
-                <a:latin typeface="Georgia" panose="02040502050405020303" pitchFamily="18" charset="0"/>
-              </a:rPr>
-              <a:t> time.</a:t>
-            </a:r>
-          </a:p>
-          <a:p>
-            <a:pPr marL="285750" indent="-285750">
-              <a:buFont typeface="Arial" panose="020B0604020202020204" pitchFamily="34" charset="0"/>
-              <a:buChar char="•"/>
-            </a:pPr>
-            <a:endParaRPr lang="it-IT" sz="1300" dirty="0">
-              <a:latin typeface="Georgia" panose="02040502050405020303" pitchFamily="18" charset="0"/>
-            </a:endParaRPr>
-          </a:p>
-          <a:p>
-            <a:pPr marL="285750" indent="-285750">
-              <a:buFont typeface="Arial" panose="020B0604020202020204" pitchFamily="34" charset="0"/>
-              <a:buChar char="•"/>
-            </a:pPr>
-            <a:r>
-              <a:rPr lang="it-IT" sz="1300" dirty="0" err="1" smtClean="0">
-                <a:latin typeface="Georgia" panose="02040502050405020303" pitchFamily="18" charset="0"/>
-              </a:rPr>
-              <a:t>During</a:t>
-            </a:r>
-            <a:r>
-              <a:rPr lang="it-IT" sz="1300" dirty="0" smtClean="0">
-                <a:latin typeface="Georgia" panose="02040502050405020303" pitchFamily="18" charset="0"/>
-              </a:rPr>
-              <a:t> </a:t>
-            </a:r>
-            <a:r>
-              <a:rPr lang="it-IT" sz="1300" dirty="0" err="1" smtClean="0">
-                <a:latin typeface="Georgia" panose="02040502050405020303" pitchFamily="18" charset="0"/>
-              </a:rPr>
-              <a:t>that</a:t>
-            </a:r>
-            <a:r>
-              <a:rPr lang="it-IT" sz="1300" dirty="0" smtClean="0">
-                <a:latin typeface="Georgia" panose="02040502050405020303" pitchFamily="18" charset="0"/>
-              </a:rPr>
-              <a:t> </a:t>
-            </a:r>
-            <a:r>
-              <a:rPr lang="it-IT" sz="1300" dirty="0" err="1" smtClean="0">
-                <a:latin typeface="Georgia" panose="02040502050405020303" pitchFamily="18" charset="0"/>
-              </a:rPr>
-              <a:t>arbitrarily</a:t>
-            </a:r>
-            <a:r>
-              <a:rPr lang="it-IT" sz="1300" dirty="0" smtClean="0">
-                <a:latin typeface="Georgia" panose="02040502050405020303" pitchFamily="18" charset="0"/>
-              </a:rPr>
-              <a:t> long time the </a:t>
-            </a:r>
-            <a:r>
-              <a:rPr lang="it-IT" sz="1300" dirty="0" err="1" smtClean="0">
-                <a:latin typeface="Georgia" panose="02040502050405020303" pitchFamily="18" charset="0"/>
-              </a:rPr>
-              <a:t>reservation’s</a:t>
-            </a:r>
-            <a:r>
-              <a:rPr lang="it-IT" sz="1300" dirty="0" smtClean="0">
-                <a:latin typeface="Georgia" panose="02040502050405020303" pitchFamily="18" charset="0"/>
-              </a:rPr>
-              <a:t> state </a:t>
-            </a:r>
-            <a:r>
-              <a:rPr lang="it-IT" sz="1300" dirty="0" err="1" smtClean="0">
-                <a:latin typeface="Georgia" panose="02040502050405020303" pitchFamily="18" charset="0"/>
-              </a:rPr>
-              <a:t>is</a:t>
-            </a:r>
-            <a:r>
-              <a:rPr lang="it-IT" sz="1300" dirty="0" smtClean="0">
-                <a:latin typeface="Georgia" panose="02040502050405020303" pitchFamily="18" charset="0"/>
-              </a:rPr>
-              <a:t> </a:t>
-            </a:r>
-            <a:r>
-              <a:rPr lang="it-IT" sz="1300" i="1" dirty="0" err="1" smtClean="0">
-                <a:solidFill>
-                  <a:srgbClr val="FF0000"/>
-                </a:solidFill>
-                <a:latin typeface="Georgia" panose="02040502050405020303" pitchFamily="18" charset="0"/>
-              </a:rPr>
-              <a:t>NotAssigned</a:t>
-            </a:r>
-            <a:r>
-              <a:rPr lang="it-IT" sz="1300" i="1" dirty="0">
-                <a:latin typeface="Georgia" panose="02040502050405020303" pitchFamily="18" charset="0"/>
-              </a:rPr>
-              <a:t>.</a:t>
-            </a:r>
-            <a:endParaRPr lang="it-IT" sz="1300" i="1" dirty="0" smtClean="0">
-              <a:solidFill>
-                <a:srgbClr val="FF0000"/>
-              </a:solidFill>
-              <a:latin typeface="Georgia" panose="02040502050405020303" pitchFamily="18" charset="0"/>
-            </a:endParaRPr>
-          </a:p>
-          <a:p>
-            <a:pPr marL="285750" indent="-285750">
-              <a:buFont typeface="Arial" panose="020B0604020202020204" pitchFamily="34" charset="0"/>
-              <a:buChar char="•"/>
-            </a:pPr>
-            <a:endParaRPr lang="it-IT" sz="1300" i="1" dirty="0">
-              <a:solidFill>
-                <a:srgbClr val="FF0000"/>
-              </a:solidFill>
-              <a:latin typeface="Georgia" panose="02040502050405020303" pitchFamily="18" charset="0"/>
-            </a:endParaRPr>
-          </a:p>
-          <a:p>
-            <a:pPr marL="285750" indent="-285750">
-              <a:buFont typeface="Arial" panose="020B0604020202020204" pitchFamily="34" charset="0"/>
-              <a:buChar char="•"/>
-            </a:pPr>
-            <a:r>
-              <a:rPr lang="it-IT" sz="1300" dirty="0" err="1" smtClean="0">
-                <a:latin typeface="Georgia" panose="02040502050405020303" pitchFamily="18" charset="0"/>
-              </a:rPr>
-              <a:t>All</a:t>
-            </a:r>
-            <a:r>
-              <a:rPr lang="it-IT" sz="1300" dirty="0" smtClean="0">
-                <a:latin typeface="Georgia" panose="02040502050405020303" pitchFamily="18" charset="0"/>
-              </a:rPr>
-              <a:t> the </a:t>
-            </a:r>
-            <a:r>
-              <a:rPr lang="it-IT" sz="1300" dirty="0" err="1" smtClean="0">
-                <a:latin typeface="Georgia" panose="02040502050405020303" pitchFamily="18" charset="0"/>
-              </a:rPr>
-              <a:t>other</a:t>
-            </a:r>
-            <a:r>
-              <a:rPr lang="it-IT" sz="1300" dirty="0" smtClean="0">
-                <a:latin typeface="Georgia" panose="02040502050405020303" pitchFamily="18" charset="0"/>
-              </a:rPr>
-              <a:t> </a:t>
-            </a:r>
-            <a:r>
-              <a:rPr lang="it-IT" sz="1300" dirty="0" err="1" smtClean="0">
-                <a:latin typeface="Georgia" panose="02040502050405020303" pitchFamily="18" charset="0"/>
-              </a:rPr>
-              <a:t>steps</a:t>
-            </a:r>
-            <a:r>
-              <a:rPr lang="it-IT" sz="1300" dirty="0" smtClean="0">
-                <a:latin typeface="Georgia" panose="02040502050405020303" pitchFamily="18" charset="0"/>
-              </a:rPr>
-              <a:t> and </a:t>
-            </a:r>
-            <a:r>
-              <a:rPr lang="it-IT" sz="1300" dirty="0" err="1" smtClean="0">
-                <a:latin typeface="Georgia" panose="02040502050405020303" pitchFamily="18" charset="0"/>
-              </a:rPr>
-              <a:t>ride’s</a:t>
-            </a:r>
-            <a:r>
-              <a:rPr lang="it-IT" sz="1300" dirty="0" smtClean="0">
-                <a:latin typeface="Georgia" panose="02040502050405020303" pitchFamily="18" charset="0"/>
-              </a:rPr>
-              <a:t> </a:t>
-            </a:r>
-            <a:r>
-              <a:rPr lang="it-IT" sz="1300" dirty="0" err="1" smtClean="0">
-                <a:latin typeface="Georgia" panose="02040502050405020303" pitchFamily="18" charset="0"/>
-              </a:rPr>
-              <a:t>states</a:t>
-            </a:r>
-            <a:r>
-              <a:rPr lang="it-IT" sz="1300" dirty="0" smtClean="0">
-                <a:latin typeface="Georgia" panose="02040502050405020303" pitchFamily="18" charset="0"/>
-              </a:rPr>
-              <a:t> are </a:t>
-            </a:r>
-            <a:r>
-              <a:rPr lang="it-IT" sz="1300" dirty="0" err="1" smtClean="0">
-                <a:latin typeface="Georgia" panose="02040502050405020303" pitchFamily="18" charset="0"/>
-              </a:rPr>
-              <a:t>basically</a:t>
-            </a:r>
-            <a:r>
-              <a:rPr lang="it-IT" sz="1300" dirty="0" smtClean="0">
-                <a:latin typeface="Georgia" panose="02040502050405020303" pitchFamily="18" charset="0"/>
-              </a:rPr>
-              <a:t> the </a:t>
-            </a:r>
-            <a:r>
-              <a:rPr lang="it-IT" sz="1300" dirty="0" err="1" smtClean="0">
-                <a:latin typeface="Georgia" panose="02040502050405020303" pitchFamily="18" charset="0"/>
-              </a:rPr>
-              <a:t>same</a:t>
-            </a:r>
-            <a:r>
-              <a:rPr lang="it-IT" sz="1300" dirty="0" smtClean="0">
-                <a:latin typeface="Georgia" panose="02040502050405020303" pitchFamily="18" charset="0"/>
-              </a:rPr>
-              <a:t> </a:t>
-            </a:r>
-            <a:r>
-              <a:rPr lang="it-IT" sz="1300" dirty="0" err="1" smtClean="0">
-                <a:latin typeface="Georgia" panose="02040502050405020303" pitchFamily="18" charset="0"/>
-              </a:rPr>
-              <a:t>as</a:t>
-            </a:r>
-            <a:r>
-              <a:rPr lang="it-IT" sz="1300" dirty="0" smtClean="0">
-                <a:latin typeface="Georgia" panose="02040502050405020303" pitchFamily="18" charset="0"/>
-              </a:rPr>
-              <a:t> in the </a:t>
-            </a:r>
-            <a:r>
-              <a:rPr lang="it-IT" sz="1300" dirty="0" err="1" smtClean="0">
-                <a:latin typeface="Georgia" panose="02040502050405020303" pitchFamily="18" charset="0"/>
-              </a:rPr>
-              <a:t>request’s</a:t>
-            </a:r>
-            <a:r>
-              <a:rPr lang="it-IT" sz="1300" dirty="0" smtClean="0">
-                <a:latin typeface="Georgia" panose="02040502050405020303" pitchFamily="18" charset="0"/>
-              </a:rPr>
-              <a:t> </a:t>
-            </a:r>
-            <a:r>
-              <a:rPr lang="it-IT" sz="1300" dirty="0" err="1" smtClean="0">
-                <a:latin typeface="Georgia" panose="02040502050405020303" pitchFamily="18" charset="0"/>
-              </a:rPr>
-              <a:t>event</a:t>
-            </a:r>
-            <a:r>
-              <a:rPr lang="it-IT" sz="1300" dirty="0" smtClean="0">
-                <a:latin typeface="Georgia" panose="02040502050405020303" pitchFamily="18" charset="0"/>
-              </a:rPr>
-              <a:t> flow.</a:t>
-            </a:r>
-            <a:endParaRPr lang="it-IT" sz="1300" dirty="0">
-              <a:latin typeface="Georgia" panose="02040502050405020303" pitchFamily="18" charset="0"/>
-            </a:endParaRPr>
-          </a:p>
-        </p:txBody>
-      </p:sp>
-    </p:spTree>
-    <p:extLst>
-      <p:ext uri="{BB962C8B-B14F-4D97-AF65-F5344CB8AC3E}">
-        <p14:creationId xmlns:p14="http://schemas.microsoft.com/office/powerpoint/2010/main" val="1281599085"/>
-      </p:ext>
-    </p:extLst>
-  </p:cSld>
-  <p:clrMapOvr>
-    <a:masterClrMapping/>
-  </p:clrMapOvr>
-  <p:timing>
-    <p:tnLst>
-      <p:par>
-        <p:cTn id="1" dur="indefinite" restart="never" nodeType="tmRoot">
-          <p:childTnLst>
-            <p:seq concurrent="1" nextAc="seek">
-              <p:cTn id="2" dur="indefinite" nodeType="mainSeq">
-                <p:childTnLst>
-                  <p:par>
-                    <p:cTn id="3" fill="hold">
-                      <p:stCondLst>
-                        <p:cond delay="indefinite"/>
-                      </p:stCondLst>
-                      <p:childTnLst>
-                        <p:par>
-                          <p:cTn id="4" fill="hold">
-                            <p:stCondLst>
-                              <p:cond delay="0"/>
-                            </p:stCondLst>
-                            <p:childTnLst>
-                              <p:par>
-                                <p:cTn id="5" presetID="53" presetClass="entr" presetSubtype="16" fill="hold" nodeType="clickEffect">
-                                  <p:stCondLst>
-                                    <p:cond delay="0"/>
-                                  </p:stCondLst>
-                                  <p:childTnLst>
-                                    <p:set>
-                                      <p:cBhvr>
-                                        <p:cTn id="6" dur="1" fill="hold">
-                                          <p:stCondLst>
-                                            <p:cond delay="0"/>
-                                          </p:stCondLst>
-                                        </p:cTn>
-                                        <p:tgtEl>
-                                          <p:spTgt spid="7"/>
+                                          <p:spTgt spid="11"/>
                                         </p:tgtEl>
                                         <p:attrNameLst>
                                           <p:attrName>style.visibility</p:attrName>
@@ -7612,9 +8098,9 @@
                                     </p:set>
                                     <p:anim calcmode="lin" valueType="num">
                                       <p:cBhvr>
-                                        <p:cTn id="7" dur="500" fill="hold"/>
+                                        <p:cTn id="31" dur="500" fill="hold"/>
                                         <p:tgtEl>
-                                          <p:spTgt spid="7"/>
+                                          <p:spTgt spid="11"/>
                                         </p:tgtEl>
                                         <p:attrNameLst>
                                           <p:attrName>ppt_w</p:attrName>
@@ -7635,9 +8121,9 @@
                                     </p:anim>
                                     <p:anim calcmode="lin" valueType="num">
                                       <p:cBhvr>
-                                        <p:cTn id="8" dur="500" fill="hold"/>
+                                        <p:cTn id="32" dur="500" fill="hold"/>
                                         <p:tgtEl>
-                                          <p:spTgt spid="7"/>
+                                          <p:spTgt spid="11"/>
                                         </p:tgtEl>
                                         <p:attrNameLst>
                                           <p:attrName>ppt_h</p:attrName>
@@ -7658,192 +8144,9 @@
                                     </p:anim>
                                     <p:animEffect transition="in" filter="fade">
                                       <p:cBhvr>
-                                        <p:cTn id="9" dur="500"/>
+                                        <p:cTn id="33" dur="500"/>
                                         <p:tgtEl>
-                                          <p:spTgt spid="7"/>
-                                        </p:tgtEl>
-                                      </p:cBhvr>
-                                    </p:animEffect>
-                                  </p:childTnLst>
-                                </p:cTn>
-                              </p:par>
-                            </p:childTnLst>
-                          </p:cTn>
-                        </p:par>
-                      </p:childTnLst>
-                    </p:cTn>
-                  </p:par>
-                  <p:par>
-                    <p:cTn id="10" fill="hold">
-                      <p:stCondLst>
-                        <p:cond delay="indefinite"/>
-                      </p:stCondLst>
-                      <p:childTnLst>
-                        <p:par>
-                          <p:cTn id="11" fill="hold">
-                            <p:stCondLst>
-                              <p:cond delay="0"/>
-                            </p:stCondLst>
-                            <p:childTnLst>
-                              <p:par>
-                                <p:cTn id="12" presetID="10" presetClass="entr" presetSubtype="0" fill="hold" nodeType="clickEffect">
-                                  <p:stCondLst>
-                                    <p:cond delay="0"/>
-                                  </p:stCondLst>
-                                  <p:childTnLst>
-                                    <p:set>
-                                      <p:cBhvr>
-                                        <p:cTn id="13" dur="1" fill="hold">
-                                          <p:stCondLst>
-                                            <p:cond delay="0"/>
-                                          </p:stCondLst>
-                                        </p:cTn>
-                                        <p:tgtEl>
-                                          <p:spTgt spid="6">
-                                            <p:txEl>
-                                              <p:pRg st="0" end="0"/>
-                                            </p:txEl>
-                                          </p:spTgt>
-                                        </p:tgtEl>
-                                        <p:attrNameLst>
-                                          <p:attrName>style.visibility</p:attrName>
-                                        </p:attrNameLst>
-                                      </p:cBhvr>
-                                      <p:to>
-                                        <p:strVal val="visible"/>
-                                      </p:to>
-                                    </p:set>
-                                    <p:animEffect transition="in" filter="fade">
-                                      <p:cBhvr>
-                                        <p:cTn id="14" dur="500"/>
-                                        <p:tgtEl>
-                                          <p:spTgt spid="6">
-                                            <p:txEl>
-                                              <p:pRg st="0" end="0"/>
-                                            </p:txEl>
-                                          </p:spTgt>
-                                        </p:tgtEl>
-                                      </p:cBhvr>
-                                    </p:animEffect>
-                                  </p:childTnLst>
-                                </p:cTn>
-                              </p:par>
-                            </p:childTnLst>
-                          </p:cTn>
-                        </p:par>
-                      </p:childTnLst>
-                    </p:cTn>
-                  </p:par>
-                  <p:par>
-                    <p:cTn id="15" fill="hold">
-                      <p:stCondLst>
-                        <p:cond delay="indefinite"/>
-                      </p:stCondLst>
-                      <p:childTnLst>
-                        <p:par>
-                          <p:cTn id="16" fill="hold">
-                            <p:stCondLst>
-                              <p:cond delay="0"/>
-                            </p:stCondLst>
-                            <p:childTnLst>
-                              <p:par>
-                                <p:cTn id="17" presetID="10" presetClass="entr" presetSubtype="0" fill="hold" nodeType="clickEffect">
-                                  <p:stCondLst>
-                                    <p:cond delay="0"/>
-                                  </p:stCondLst>
-                                  <p:childTnLst>
-                                    <p:set>
-                                      <p:cBhvr>
-                                        <p:cTn id="18" dur="1" fill="hold">
-                                          <p:stCondLst>
-                                            <p:cond delay="0"/>
-                                          </p:stCondLst>
-                                        </p:cTn>
-                                        <p:tgtEl>
-                                          <p:spTgt spid="6">
-                                            <p:txEl>
-                                              <p:pRg st="2" end="2"/>
-                                            </p:txEl>
-                                          </p:spTgt>
-                                        </p:tgtEl>
-                                        <p:attrNameLst>
-                                          <p:attrName>style.visibility</p:attrName>
-                                        </p:attrNameLst>
-                                      </p:cBhvr>
-                                      <p:to>
-                                        <p:strVal val="visible"/>
-                                      </p:to>
-                                    </p:set>
-                                    <p:animEffect transition="in" filter="fade">
-                                      <p:cBhvr>
-                                        <p:cTn id="19" dur="500"/>
-                                        <p:tgtEl>
-                                          <p:spTgt spid="6">
-                                            <p:txEl>
-                                              <p:pRg st="2" end="2"/>
-                                            </p:txEl>
-                                          </p:spTgt>
-                                        </p:tgtEl>
-                                      </p:cBhvr>
-                                    </p:animEffect>
-                                  </p:childTnLst>
-                                </p:cTn>
-                              </p:par>
-                            </p:childTnLst>
-                          </p:cTn>
-                        </p:par>
-                      </p:childTnLst>
-                    </p:cTn>
-                  </p:par>
-                  <p:par>
-                    <p:cTn id="20" fill="hold">
-                      <p:stCondLst>
-                        <p:cond delay="indefinite"/>
-                      </p:stCondLst>
-                      <p:childTnLst>
-                        <p:par>
-                          <p:cTn id="21" fill="hold">
-                            <p:stCondLst>
-                              <p:cond delay="0"/>
-                            </p:stCondLst>
-                            <p:childTnLst>
-                              <p:par>
-                                <p:cTn id="22" presetID="10" presetClass="entr" presetSubtype="0" fill="hold" nodeType="clickEffect">
-                                  <p:stCondLst>
-                                    <p:cond delay="0"/>
-                                  </p:stCondLst>
-                                  <p:childTnLst>
-                                    <p:set>
-                                      <p:cBhvr>
-                                        <p:cTn id="23" dur="1" fill="hold">
-                                          <p:stCondLst>
-                                            <p:cond delay="0"/>
-                                          </p:stCondLst>
-                                        </p:cTn>
-                                        <p:tgtEl>
-                                          <p:spTgt spid="6">
-                                            <p:txEl>
-                                              <p:pRg st="4" end="4"/>
-                                            </p:txEl>
-                                          </p:spTgt>
-                                        </p:tgtEl>
-                                        <p:attrNameLst>
-                                          <p:attrName>style.visibility</p:attrName>
-                                        </p:attrNameLst>
-                                      </p:cBhvr>
-                                      <p:to>
-                                        <p:strVal val="visible"/>
-                                      </p:to>
-                                    </p:set>
-                                    <p:animEffect transition="in" filter="fade">
-                                      <p:cBhvr>
-                                        <p:cTn id="24" dur="500"/>
-                                        <p:tgtEl>
-                                          <p:spTgt spid="6">
-                                            <p:txEl>
-                                              <p:pRg st="4" end="4"/>
-                                            </p:txEl>
-                                          </p:spTgt>
+                                          <p:spTgt spid="11"/>
                                         </p:tgtEl>
                                       </p:cBhvr>
                                     </p:animEffect>
